--- a/Power Automate.pptx
+++ b/Power Automate.pptx
@@ -5,44 +5,45 @@
     <p:sldMasterId id="2147483696" r:id="rId1"/>
   </p:sldMasterIdLst>
   <p:notesMasterIdLst>
-    <p:notesMasterId r:id="rId8"/>
+    <p:notesMasterId r:id="rId9"/>
   </p:notesMasterIdLst>
   <p:sldIdLst>
     <p:sldId id="256" r:id="rId2"/>
     <p:sldId id="257" r:id="rId3"/>
-    <p:sldId id="338" r:id="rId4"/>
-    <p:sldId id="339" r:id="rId5"/>
-    <p:sldId id="340" r:id="rId6"/>
-    <p:sldId id="342" r:id="rId7"/>
+    <p:sldId id="346" r:id="rId4"/>
+    <p:sldId id="343" r:id="rId5"/>
+    <p:sldId id="344" r:id="rId6"/>
+    <p:sldId id="345" r:id="rId7"/>
+    <p:sldId id="342" r:id="rId8"/>
   </p:sldIdLst>
   <p:sldSz cx="9144000" cy="5143500" type="screen16x9"/>
   <p:notesSz cx="6858000" cy="9144000"/>
   <p:embeddedFontLst>
     <p:embeddedFont>
       <p:font typeface="Open Sans" panose="020B0606030504020204" pitchFamily="34" charset="0"/>
-      <p:regular r:id="rId9"/>
-      <p:bold r:id="rId10"/>
-      <p:italic r:id="rId11"/>
-      <p:boldItalic r:id="rId12"/>
+      <p:regular r:id="rId10"/>
+      <p:bold r:id="rId11"/>
+      <p:italic r:id="rId12"/>
+      <p:boldItalic r:id="rId13"/>
     </p:embeddedFont>
     <p:embeddedFont>
       <p:font typeface="Overpass Black" panose="020B0604020202020204" charset="0"/>
-      <p:bold r:id="rId13"/>
-      <p:boldItalic r:id="rId14"/>
+      <p:bold r:id="rId14"/>
+      <p:boldItalic r:id="rId15"/>
     </p:embeddedFont>
     <p:embeddedFont>
       <p:font typeface="Overpass SemiBold" panose="020B0604020202020204" charset="0"/>
-      <p:regular r:id="rId15"/>
-      <p:bold r:id="rId16"/>
-      <p:italic r:id="rId17"/>
-      <p:boldItalic r:id="rId18"/>
+      <p:regular r:id="rId16"/>
+      <p:bold r:id="rId17"/>
+      <p:italic r:id="rId18"/>
+      <p:boldItalic r:id="rId19"/>
     </p:embeddedFont>
     <p:embeddedFont>
       <p:font typeface="Source Sans Pro" panose="020B0503030403020204" pitchFamily="34" charset="0"/>
-      <p:regular r:id="rId19"/>
-      <p:bold r:id="rId20"/>
-      <p:italic r:id="rId21"/>
-      <p:boldItalic r:id="rId22"/>
+      <p:regular r:id="rId20"/>
+      <p:bold r:id="rId21"/>
+      <p:italic r:id="rId22"/>
+      <p:boldItalic r:id="rId23"/>
     </p:embeddedFont>
   </p:embeddedFontLst>
   <p:defaultTextStyle>
@@ -1046,7 +1047,7 @@
     </p:spTree>
     <p:extLst>
       <p:ext uri="{BB962C8B-B14F-4D97-AF65-F5344CB8AC3E}">
-        <p14:creationId xmlns:p14="http://schemas.microsoft.com/office/powerpoint/2010/main" val="4202880999"/>
+        <p14:creationId xmlns:p14="http://schemas.microsoft.com/office/powerpoint/2010/main" val="456399790"/>
       </p:ext>
     </p:extLst>
   </p:cSld>
@@ -1155,7 +1156,7 @@
     </p:spTree>
     <p:extLst>
       <p:ext uri="{BB962C8B-B14F-4D97-AF65-F5344CB8AC3E}">
-        <p14:creationId xmlns:p14="http://schemas.microsoft.com/office/powerpoint/2010/main" val="1767650520"/>
+        <p14:creationId xmlns:p14="http://schemas.microsoft.com/office/powerpoint/2010/main" val="808860764"/>
       </p:ext>
     </p:extLst>
   </p:cSld>
@@ -1264,7 +1265,7 @@
     </p:spTree>
     <p:extLst>
       <p:ext uri="{BB962C8B-B14F-4D97-AF65-F5344CB8AC3E}">
-        <p14:creationId xmlns:p14="http://schemas.microsoft.com/office/powerpoint/2010/main" val="2921966821"/>
+        <p14:creationId xmlns:p14="http://schemas.microsoft.com/office/powerpoint/2010/main" val="2356249003"/>
       </p:ext>
     </p:extLst>
   </p:cSld>
@@ -1275,6 +1276,115 @@
 </file>
 
 <file path=ppt/notesSlides/notesSlide6.xml><?xml version="1.0" encoding="utf-8"?>
+<p:notes xmlns:a="http://schemas.openxmlformats.org/drawingml/2006/main" xmlns:r="http://schemas.openxmlformats.org/officeDocument/2006/relationships" xmlns:p="http://schemas.openxmlformats.org/presentationml/2006/main" showMasterSp="0" showMasterPhAnim="0">
+  <p:cSld>
+    <p:spTree>
+      <p:nvGrpSpPr>
+        <p:cNvPr id="1" name="Shape 502"/>
+        <p:cNvGrpSpPr/>
+        <p:nvPr/>
+      </p:nvGrpSpPr>
+      <p:grpSpPr>
+        <a:xfrm>
+          <a:off x="0" y="0"/>
+          <a:ext cx="0" cy="0"/>
+          <a:chOff x="0" y="0"/>
+          <a:chExt cx="0" cy="0"/>
+        </a:xfrm>
+      </p:grpSpPr>
+      <p:sp>
+        <p:nvSpPr>
+          <p:cNvPr id="503" name="Google Shape;503;g8c7ef38d1c_0_2:notes"/>
+          <p:cNvSpPr>
+            <a:spLocks noGrp="1" noRot="1" noChangeAspect="1"/>
+          </p:cNvSpPr>
+          <p:nvPr>
+            <p:ph type="sldImg" idx="2"/>
+          </p:nvPr>
+        </p:nvSpPr>
+        <p:spPr>
+          <a:xfrm>
+            <a:off x="381000" y="685800"/>
+            <a:ext cx="6096000" cy="3429000"/>
+          </a:xfrm>
+          <a:custGeom>
+            <a:avLst/>
+            <a:gdLst/>
+            <a:ahLst/>
+            <a:cxnLst/>
+            <a:rect l="l" t="t" r="r" b="b"/>
+            <a:pathLst>
+              <a:path w="120000" h="120000" extrusionOk="0">
+                <a:moveTo>
+                  <a:pt x="0" y="0"/>
+                </a:moveTo>
+                <a:lnTo>
+                  <a:pt x="120000" y="0"/>
+                </a:lnTo>
+                <a:lnTo>
+                  <a:pt x="120000" y="120000"/>
+                </a:lnTo>
+                <a:lnTo>
+                  <a:pt x="0" y="120000"/>
+                </a:lnTo>
+                <a:close/>
+              </a:path>
+            </a:pathLst>
+          </a:custGeom>
+        </p:spPr>
+      </p:sp>
+      <p:sp>
+        <p:nvSpPr>
+          <p:cNvPr id="504" name="Google Shape;504;g8c7ef38d1c_0_2:notes"/>
+          <p:cNvSpPr txBox="1">
+            <a:spLocks noGrp="1"/>
+          </p:cNvSpPr>
+          <p:nvPr>
+            <p:ph type="body" idx="1"/>
+          </p:nvPr>
+        </p:nvSpPr>
+        <p:spPr>
+          <a:xfrm>
+            <a:off x="685800" y="4343400"/>
+            <a:ext cx="5486400" cy="4114800"/>
+          </a:xfrm>
+          <a:prstGeom prst="rect">
+            <a:avLst/>
+          </a:prstGeom>
+        </p:spPr>
+        <p:txBody>
+          <a:bodyPr spcFirstLastPara="1" wrap="square" lIns="91425" tIns="91425" rIns="91425" bIns="91425" anchor="t" anchorCtr="0">
+            <a:noAutofit/>
+          </a:bodyPr>
+          <a:lstStyle/>
+          <a:p>
+            <a:pPr marL="0" lvl="0" indent="0" algn="l" rtl="0">
+              <a:spcBef>
+                <a:spcPts val="0"/>
+              </a:spcBef>
+              <a:spcAft>
+                <a:spcPts val="0"/>
+              </a:spcAft>
+              <a:buNone/>
+            </a:pPr>
+            <a:endParaRPr/>
+          </a:p>
+        </p:txBody>
+      </p:sp>
+    </p:spTree>
+    <p:extLst>
+      <p:ext uri="{BB962C8B-B14F-4D97-AF65-F5344CB8AC3E}">
+        <p14:creationId xmlns:p14="http://schemas.microsoft.com/office/powerpoint/2010/main" val="908329327"/>
+      </p:ext>
+    </p:extLst>
+  </p:cSld>
+  <p:clrMapOvr>
+    <a:masterClrMapping/>
+  </p:clrMapOvr>
+</p:notes>
+</file>
+
+<file path=ppt/notesSlides/notesSlide7.xml><?xml version="1.0" encoding="utf-8"?>
 <p:notes xmlns:a="http://schemas.openxmlformats.org/drawingml/2006/main" xmlns:r="http://schemas.openxmlformats.org/officeDocument/2006/relationships" xmlns:p="http://schemas.openxmlformats.org/presentationml/2006/main" showMasterSp="0" showMasterPhAnim="0">
   <p:cSld>
     <p:spTree>
@@ -4067,6 +4177,40 @@
 <file path=ppt/slides/slide1.xml><?xml version="1.0" encoding="utf-8"?>
 <p:sld xmlns:a="http://schemas.openxmlformats.org/drawingml/2006/main" xmlns:r="http://schemas.openxmlformats.org/officeDocument/2006/relationships" xmlns:p="http://schemas.openxmlformats.org/presentationml/2006/main">
   <p:cSld>
+    <p:bg>
+      <p:bgPr>
+        <a:gradFill>
+          <a:gsLst>
+            <a:gs pos="30000">
+              <a:schemeClr val="accent1">
+                <a:lumMod val="5000"/>
+                <a:lumOff val="95000"/>
+              </a:schemeClr>
+            </a:gs>
+            <a:gs pos="74000">
+              <a:schemeClr val="accent1">
+                <a:lumMod val="45000"/>
+                <a:lumOff val="55000"/>
+              </a:schemeClr>
+            </a:gs>
+            <a:gs pos="83000">
+              <a:schemeClr val="accent1">
+                <a:lumMod val="45000"/>
+                <a:lumOff val="55000"/>
+              </a:schemeClr>
+            </a:gs>
+            <a:gs pos="100000">
+              <a:schemeClr val="accent1">
+                <a:lumMod val="30000"/>
+                <a:lumOff val="70000"/>
+              </a:schemeClr>
+            </a:gs>
+          </a:gsLst>
+          <a:lin ang="5400000" scaled="1"/>
+        </a:gradFill>
+        <a:effectLst/>
+      </p:bgPr>
+    </p:bg>
     <p:spTree>
       <p:nvGrpSpPr>
         <p:cNvPr id="1" name="Shape 316"/>
@@ -19802,6 +19946,781 @@
 <file path=ppt/slides/slide2.xml><?xml version="1.0" encoding="utf-8"?>
 <p:sld xmlns:a="http://schemas.openxmlformats.org/drawingml/2006/main" xmlns:r="http://schemas.openxmlformats.org/officeDocument/2006/relationships" xmlns:p="http://schemas.openxmlformats.org/presentationml/2006/main">
   <p:cSld>
+    <p:bg>
+      <p:bgPr>
+        <a:gradFill>
+          <a:gsLst>
+            <a:gs pos="30000">
+              <a:schemeClr val="accent1">
+                <a:lumMod val="5000"/>
+                <a:lumOff val="95000"/>
+              </a:schemeClr>
+            </a:gs>
+            <a:gs pos="74000">
+              <a:schemeClr val="accent1">
+                <a:lumMod val="45000"/>
+                <a:lumOff val="55000"/>
+              </a:schemeClr>
+            </a:gs>
+            <a:gs pos="83000">
+              <a:schemeClr val="accent1">
+                <a:lumMod val="45000"/>
+                <a:lumOff val="55000"/>
+              </a:schemeClr>
+            </a:gs>
+            <a:gs pos="100000">
+              <a:schemeClr val="accent1">
+                <a:lumMod val="30000"/>
+                <a:lumOff val="70000"/>
+              </a:schemeClr>
+            </a:gs>
+          </a:gsLst>
+          <a:lin ang="5400000" scaled="1"/>
+        </a:gradFill>
+        <a:effectLst/>
+      </p:bgPr>
+    </p:bg>
+    <p:spTree>
+      <p:nvGrpSpPr>
+        <p:cNvPr id="1" name="Shape 505"/>
+        <p:cNvGrpSpPr/>
+        <p:nvPr/>
+      </p:nvGrpSpPr>
+      <p:grpSpPr>
+        <a:xfrm>
+          <a:off x="0" y="0"/>
+          <a:ext cx="0" cy="0"/>
+          <a:chOff x="0" y="0"/>
+          <a:chExt cx="0" cy="0"/>
+        </a:xfrm>
+      </p:grpSpPr>
+      <p:sp>
+        <p:nvSpPr>
+          <p:cNvPr id="506" name="Google Shape;506;p52"/>
+          <p:cNvSpPr txBox="1">
+            <a:spLocks noGrp="1"/>
+          </p:cNvSpPr>
+          <p:nvPr>
+            <p:ph type="title"/>
+          </p:nvPr>
+        </p:nvSpPr>
+        <p:spPr>
+          <a:xfrm>
+            <a:off x="720000" y="539999"/>
+            <a:ext cx="7704000" cy="859310"/>
+          </a:xfrm>
+          <a:prstGeom prst="rect">
+            <a:avLst/>
+          </a:prstGeom>
+        </p:spPr>
+        <p:txBody>
+          <a:bodyPr spcFirstLastPara="1" wrap="square" lIns="91425" tIns="91425" rIns="91425" bIns="91425" anchor="t" anchorCtr="0">
+            <a:noAutofit/>
+          </a:bodyPr>
+          <a:lstStyle/>
+          <a:p>
+            <a:pPr marL="0" lvl="0" indent="0" algn="l" rtl="0">
+              <a:spcBef>
+                <a:spcPts val="0"/>
+              </a:spcBef>
+              <a:spcAft>
+                <a:spcPts val="0"/>
+              </a:spcAft>
+              <a:buNone/>
+            </a:pPr>
+            <a:r>
+              <a:rPr lang="en-US" sz="1600" b="0" i="0" dirty="0">
+                <a:solidFill>
+                  <a:srgbClr val="FF0000"/>
+                </a:solidFill>
+                <a:effectLst/>
+                <a:latin typeface="Open Sans" panose="020B0606030504020204" pitchFamily="34" charset="0"/>
+                <a:ea typeface="Open Sans" panose="020B0606030504020204" pitchFamily="34" charset="0"/>
+                <a:cs typeface="Open Sans" panose="020B0606030504020204" pitchFamily="34" charset="0"/>
+              </a:rPr>
+              <a:t>Can you provide an example of how you have used Power Automate to automate a business process and the impact it had on productivity or efficiency?</a:t>
+            </a:r>
+            <a:endParaRPr sz="1600" dirty="0">
+              <a:solidFill>
+                <a:srgbClr val="FF0000"/>
+              </a:solidFill>
+              <a:latin typeface="Open Sans" panose="020B0606030504020204" pitchFamily="34" charset="0"/>
+              <a:ea typeface="Open Sans" panose="020B0606030504020204" pitchFamily="34" charset="0"/>
+              <a:cs typeface="Open Sans" panose="020B0606030504020204" pitchFamily="34" charset="0"/>
+              <a:sym typeface="Overpass SemiBold"/>
+            </a:endParaRPr>
+          </a:p>
+        </p:txBody>
+      </p:sp>
+      <p:sp>
+        <p:nvSpPr>
+          <p:cNvPr id="507" name="Google Shape;507;p52"/>
+          <p:cNvSpPr txBox="1">
+            <a:spLocks noGrp="1"/>
+          </p:cNvSpPr>
+          <p:nvPr>
+            <p:ph type="body" idx="1"/>
+          </p:nvPr>
+        </p:nvSpPr>
+        <p:spPr>
+          <a:xfrm>
+            <a:off x="720000" y="1399309"/>
+            <a:ext cx="7704000" cy="3627344"/>
+          </a:xfrm>
+          <a:prstGeom prst="rect">
+            <a:avLst/>
+          </a:prstGeom>
+        </p:spPr>
+        <p:txBody>
+          <a:bodyPr spcFirstLastPara="1" wrap="square" lIns="91425" tIns="91425" rIns="91425" bIns="91425" anchor="t" anchorCtr="0">
+            <a:noAutofit/>
+          </a:bodyPr>
+          <a:lstStyle/>
+          <a:p>
+            <a:pPr algn="l">
+              <a:buFont typeface="Arial" panose="020B0604020202020204" pitchFamily="34" charset="0"/>
+              <a:buChar char="•"/>
+            </a:pPr>
+            <a:r>
+              <a:rPr lang="en-US" sz="1400" b="0" i="0" dirty="0">
+                <a:solidFill>
+                  <a:srgbClr val="374151"/>
+                </a:solidFill>
+                <a:effectLst/>
+                <a:latin typeface="Open Sans" panose="020B0606030504020204" pitchFamily="34" charset="0"/>
+                <a:ea typeface="Open Sans" panose="020B0606030504020204" pitchFamily="34" charset="0"/>
+                <a:cs typeface="Open Sans" panose="020B0606030504020204" pitchFamily="34" charset="0"/>
+              </a:rPr>
+              <a:t>Automated the employee onboarding process using Power Automate.</a:t>
+            </a:r>
+          </a:p>
+          <a:p>
+            <a:pPr algn="l">
+              <a:buFont typeface="Arial" panose="020B0604020202020204" pitchFamily="34" charset="0"/>
+              <a:buChar char="•"/>
+            </a:pPr>
+            <a:endParaRPr lang="en-US" sz="1400" b="0" i="0" dirty="0">
+              <a:solidFill>
+                <a:srgbClr val="374151"/>
+              </a:solidFill>
+              <a:effectLst/>
+              <a:latin typeface="Open Sans" panose="020B0606030504020204" pitchFamily="34" charset="0"/>
+              <a:ea typeface="Open Sans" panose="020B0606030504020204" pitchFamily="34" charset="0"/>
+              <a:cs typeface="Open Sans" panose="020B0606030504020204" pitchFamily="34" charset="0"/>
+            </a:endParaRPr>
+          </a:p>
+          <a:p>
+            <a:pPr algn="l">
+              <a:buFont typeface="Arial" panose="020B0604020202020204" pitchFamily="34" charset="0"/>
+              <a:buChar char="•"/>
+            </a:pPr>
+            <a:r>
+              <a:rPr lang="en-US" sz="1400" b="0" i="0" dirty="0">
+                <a:solidFill>
+                  <a:srgbClr val="374151"/>
+                </a:solidFill>
+                <a:effectLst/>
+                <a:latin typeface="Open Sans" panose="020B0606030504020204" pitchFamily="34" charset="0"/>
+                <a:ea typeface="Open Sans" panose="020B0606030504020204" pitchFamily="34" charset="0"/>
+                <a:cs typeface="Open Sans" panose="020B0606030504020204" pitchFamily="34" charset="0"/>
+              </a:rPr>
+              <a:t>Triggered when HR updates the new hire information in SharePoint list.</a:t>
+            </a:r>
+          </a:p>
+          <a:p>
+            <a:pPr algn="l">
+              <a:buFont typeface="Arial" panose="020B0604020202020204" pitchFamily="34" charset="0"/>
+              <a:buChar char="•"/>
+            </a:pPr>
+            <a:endParaRPr lang="en-US" sz="1400" b="0" i="0" dirty="0">
+              <a:solidFill>
+                <a:srgbClr val="374151"/>
+              </a:solidFill>
+              <a:effectLst/>
+              <a:latin typeface="Open Sans" panose="020B0606030504020204" pitchFamily="34" charset="0"/>
+              <a:ea typeface="Open Sans" panose="020B0606030504020204" pitchFamily="34" charset="0"/>
+              <a:cs typeface="Open Sans" panose="020B0606030504020204" pitchFamily="34" charset="0"/>
+            </a:endParaRPr>
+          </a:p>
+          <a:p>
+            <a:pPr algn="l">
+              <a:buFont typeface="Arial" panose="020B0604020202020204" pitchFamily="34" charset="0"/>
+              <a:buChar char="•"/>
+            </a:pPr>
+            <a:r>
+              <a:rPr lang="en-US" sz="1400" b="0" i="0" dirty="0">
+                <a:solidFill>
+                  <a:srgbClr val="374151"/>
+                </a:solidFill>
+                <a:effectLst/>
+                <a:latin typeface="Open Sans" panose="020B0606030504020204" pitchFamily="34" charset="0"/>
+                <a:ea typeface="Open Sans" panose="020B0606030504020204" pitchFamily="34" charset="0"/>
+                <a:cs typeface="Open Sans" panose="020B0606030504020204" pitchFamily="34" charset="0"/>
+              </a:rPr>
+              <a:t>Automated the creation of user accounts, email setup, and access permissions.</a:t>
+            </a:r>
+          </a:p>
+          <a:p>
+            <a:pPr algn="l">
+              <a:buFont typeface="Arial" panose="020B0604020202020204" pitchFamily="34" charset="0"/>
+              <a:buChar char="•"/>
+            </a:pPr>
+            <a:endParaRPr lang="en-US" sz="1400" b="0" i="0" dirty="0">
+              <a:solidFill>
+                <a:srgbClr val="374151"/>
+              </a:solidFill>
+              <a:effectLst/>
+              <a:latin typeface="Open Sans" panose="020B0606030504020204" pitchFamily="34" charset="0"/>
+              <a:ea typeface="Open Sans" panose="020B0606030504020204" pitchFamily="34" charset="0"/>
+              <a:cs typeface="Open Sans" panose="020B0606030504020204" pitchFamily="34" charset="0"/>
+            </a:endParaRPr>
+          </a:p>
+          <a:p>
+            <a:pPr algn="l">
+              <a:buFont typeface="Arial" panose="020B0604020202020204" pitchFamily="34" charset="0"/>
+              <a:buChar char="•"/>
+            </a:pPr>
+            <a:r>
+              <a:rPr lang="en-US" sz="1400" b="0" i="0" dirty="0">
+                <a:solidFill>
+                  <a:srgbClr val="374151"/>
+                </a:solidFill>
+                <a:effectLst/>
+                <a:latin typeface="Open Sans" panose="020B0606030504020204" pitchFamily="34" charset="0"/>
+                <a:ea typeface="Open Sans" panose="020B0606030504020204" pitchFamily="34" charset="0"/>
+                <a:cs typeface="Open Sans" panose="020B0606030504020204" pitchFamily="34" charset="0"/>
+              </a:rPr>
+              <a:t>Streamlined document approvals by sending automated notifications to relevant Talent aquation team.</a:t>
+            </a:r>
+          </a:p>
+          <a:p>
+            <a:pPr algn="l">
+              <a:buFont typeface="Arial" panose="020B0604020202020204" pitchFamily="34" charset="0"/>
+              <a:buChar char="•"/>
+            </a:pPr>
+            <a:endParaRPr lang="en-US" sz="1400" b="0" i="0" dirty="0">
+              <a:solidFill>
+                <a:srgbClr val="374151"/>
+              </a:solidFill>
+              <a:effectLst/>
+              <a:latin typeface="Open Sans" panose="020B0606030504020204" pitchFamily="34" charset="0"/>
+              <a:ea typeface="Open Sans" panose="020B0606030504020204" pitchFamily="34" charset="0"/>
+              <a:cs typeface="Open Sans" panose="020B0606030504020204" pitchFamily="34" charset="0"/>
+            </a:endParaRPr>
+          </a:p>
+          <a:p>
+            <a:pPr algn="l">
+              <a:buFont typeface="Arial" panose="020B0604020202020204" pitchFamily="34" charset="0"/>
+              <a:buChar char="•"/>
+            </a:pPr>
+            <a:r>
+              <a:rPr lang="en-US" sz="1400" b="0" i="0" dirty="0">
+                <a:solidFill>
+                  <a:srgbClr val="374151"/>
+                </a:solidFill>
+                <a:effectLst/>
+                <a:latin typeface="Open Sans" panose="020B0606030504020204" pitchFamily="34" charset="0"/>
+                <a:ea typeface="Open Sans" panose="020B0606030504020204" pitchFamily="34" charset="0"/>
+                <a:cs typeface="Open Sans" panose="020B0606030504020204" pitchFamily="34" charset="0"/>
+              </a:rPr>
+              <a:t>Reduced manual data entry and paperwork, saving time and resources.</a:t>
+            </a:r>
+          </a:p>
+          <a:p>
+            <a:pPr algn="l">
+              <a:buFont typeface="Arial" panose="020B0604020202020204" pitchFamily="34" charset="0"/>
+              <a:buChar char="•"/>
+            </a:pPr>
+            <a:endParaRPr lang="en-US" sz="1400" b="0" i="0" dirty="0">
+              <a:solidFill>
+                <a:srgbClr val="374151"/>
+              </a:solidFill>
+              <a:effectLst/>
+              <a:latin typeface="Open Sans" panose="020B0606030504020204" pitchFamily="34" charset="0"/>
+              <a:ea typeface="Open Sans" panose="020B0606030504020204" pitchFamily="34" charset="0"/>
+              <a:cs typeface="Open Sans" panose="020B0606030504020204" pitchFamily="34" charset="0"/>
+            </a:endParaRPr>
+          </a:p>
+          <a:p>
+            <a:pPr algn="l">
+              <a:buFont typeface="Arial" panose="020B0604020202020204" pitchFamily="34" charset="0"/>
+              <a:buChar char="•"/>
+            </a:pPr>
+            <a:r>
+              <a:rPr lang="en-US" sz="1400" b="0" i="0" dirty="0">
+                <a:solidFill>
+                  <a:srgbClr val="374151"/>
+                </a:solidFill>
+                <a:effectLst/>
+                <a:latin typeface="Open Sans" panose="020B0606030504020204" pitchFamily="34" charset="0"/>
+                <a:ea typeface="Open Sans" panose="020B0606030504020204" pitchFamily="34" charset="0"/>
+                <a:cs typeface="Open Sans" panose="020B0606030504020204" pitchFamily="34" charset="0"/>
+              </a:rPr>
+              <a:t>Onboarding time reduced by 30%, resulting in faster productivity and integration for new employees.</a:t>
+            </a:r>
+          </a:p>
+          <a:p>
+            <a:pPr algn="l">
+              <a:buFont typeface="Arial" panose="020B0604020202020204" pitchFamily="34" charset="0"/>
+              <a:buChar char="•"/>
+            </a:pPr>
+            <a:endParaRPr lang="en-US" sz="1400" b="0" i="0" dirty="0">
+              <a:solidFill>
+                <a:srgbClr val="374151"/>
+              </a:solidFill>
+              <a:effectLst/>
+              <a:latin typeface="Open Sans" panose="020B0606030504020204" pitchFamily="34" charset="0"/>
+              <a:ea typeface="Open Sans" panose="020B0606030504020204" pitchFamily="34" charset="0"/>
+              <a:cs typeface="Open Sans" panose="020B0606030504020204" pitchFamily="34" charset="0"/>
+            </a:endParaRPr>
+          </a:p>
+          <a:p>
+            <a:pPr algn="l">
+              <a:buFont typeface="Arial" panose="020B0604020202020204" pitchFamily="34" charset="0"/>
+              <a:buChar char="•"/>
+            </a:pPr>
+            <a:r>
+              <a:rPr lang="en-US" sz="1400" b="0" i="0" dirty="0">
+                <a:solidFill>
+                  <a:srgbClr val="374151"/>
+                </a:solidFill>
+                <a:effectLst/>
+                <a:latin typeface="Open Sans" panose="020B0606030504020204" pitchFamily="34" charset="0"/>
+                <a:ea typeface="Open Sans" panose="020B0606030504020204" pitchFamily="34" charset="0"/>
+                <a:cs typeface="Open Sans" panose="020B0606030504020204" pitchFamily="34" charset="0"/>
+              </a:rPr>
+              <a:t>HR team saved 5 hours per week on administrative tasks, allowing them to focus on more strategic activities.</a:t>
+            </a:r>
+          </a:p>
+        </p:txBody>
+      </p:sp>
+    </p:spTree>
+  </p:cSld>
+  <p:clrMapOvr>
+    <a:masterClrMapping/>
+  </p:clrMapOvr>
+</p:sld>
+</file>
+
+<file path=ppt/slides/slide3.xml><?xml version="1.0" encoding="utf-8"?>
+<p:sld xmlns:a="http://schemas.openxmlformats.org/drawingml/2006/main" xmlns:r="http://schemas.openxmlformats.org/officeDocument/2006/relationships" xmlns:p="http://schemas.openxmlformats.org/presentationml/2006/main">
+  <p:cSld>
+    <p:bg>
+      <p:bgPr>
+        <a:gradFill>
+          <a:gsLst>
+            <a:gs pos="30000">
+              <a:schemeClr val="accent1">
+                <a:lumMod val="5000"/>
+                <a:lumOff val="95000"/>
+              </a:schemeClr>
+            </a:gs>
+            <a:gs pos="74000">
+              <a:schemeClr val="accent1">
+                <a:lumMod val="45000"/>
+                <a:lumOff val="55000"/>
+              </a:schemeClr>
+            </a:gs>
+            <a:gs pos="83000">
+              <a:schemeClr val="accent1">
+                <a:lumMod val="45000"/>
+                <a:lumOff val="55000"/>
+              </a:schemeClr>
+            </a:gs>
+            <a:gs pos="100000">
+              <a:schemeClr val="accent1">
+                <a:lumMod val="30000"/>
+                <a:lumOff val="70000"/>
+              </a:schemeClr>
+            </a:gs>
+          </a:gsLst>
+          <a:lin ang="5400000" scaled="1"/>
+        </a:gradFill>
+        <a:effectLst/>
+      </p:bgPr>
+    </p:bg>
+    <p:spTree>
+      <p:nvGrpSpPr>
+        <p:cNvPr id="1" name="Shape 505"/>
+        <p:cNvGrpSpPr/>
+        <p:nvPr/>
+      </p:nvGrpSpPr>
+      <p:grpSpPr>
+        <a:xfrm>
+          <a:off x="0" y="0"/>
+          <a:ext cx="0" cy="0"/>
+          <a:chOff x="0" y="0"/>
+          <a:chExt cx="0" cy="0"/>
+        </a:xfrm>
+      </p:grpSpPr>
+      <p:sp>
+        <p:nvSpPr>
+          <p:cNvPr id="506" name="Google Shape;506;p52"/>
+          <p:cNvSpPr txBox="1">
+            <a:spLocks noGrp="1"/>
+          </p:cNvSpPr>
+          <p:nvPr>
+            <p:ph type="title"/>
+          </p:nvPr>
+        </p:nvSpPr>
+        <p:spPr>
+          <a:xfrm>
+            <a:off x="720000" y="539999"/>
+            <a:ext cx="7704000" cy="612475"/>
+          </a:xfrm>
+          <a:prstGeom prst="rect">
+            <a:avLst/>
+          </a:prstGeom>
+        </p:spPr>
+        <p:txBody>
+          <a:bodyPr spcFirstLastPara="1" wrap="square" lIns="91425" tIns="91425" rIns="91425" bIns="91425" anchor="t" anchorCtr="0">
+            <a:noAutofit/>
+          </a:bodyPr>
+          <a:lstStyle/>
+          <a:p>
+            <a:pPr marL="0" lvl="0" indent="0" algn="l" rtl="0">
+              <a:spcBef>
+                <a:spcPts val="0"/>
+              </a:spcBef>
+              <a:spcAft>
+                <a:spcPts val="0"/>
+              </a:spcAft>
+              <a:buNone/>
+            </a:pPr>
+            <a:r>
+              <a:rPr lang="en-US" sz="1800" dirty="0">
+                <a:solidFill>
+                  <a:srgbClr val="FF0000"/>
+                </a:solidFill>
+                <a:latin typeface="Open san"/>
+              </a:rPr>
+              <a:t>C</a:t>
+            </a:r>
+            <a:r>
+              <a:rPr lang="en-US" sz="1800" b="0" i="0" dirty="0">
+                <a:solidFill>
+                  <a:srgbClr val="FF0000"/>
+                </a:solidFill>
+                <a:effectLst/>
+                <a:latin typeface="Open san"/>
+              </a:rPr>
+              <a:t>an you explain how you would update the existing workflow to include the Microsoft Form uploaded file and fix the issue with the email background?</a:t>
+            </a:r>
+            <a:endParaRPr sz="1800" dirty="0">
+              <a:solidFill>
+                <a:srgbClr val="FF0000"/>
+              </a:solidFill>
+              <a:latin typeface="Open san"/>
+              <a:ea typeface="Open Sans" panose="020B0606030504020204" pitchFamily="34" charset="0"/>
+              <a:cs typeface="Open Sans" panose="020B0606030504020204" pitchFamily="34" charset="0"/>
+              <a:sym typeface="Overpass SemiBold"/>
+            </a:endParaRPr>
+          </a:p>
+        </p:txBody>
+      </p:sp>
+      <p:sp>
+        <p:nvSpPr>
+          <p:cNvPr id="507" name="Google Shape;507;p52"/>
+          <p:cNvSpPr txBox="1">
+            <a:spLocks noGrp="1"/>
+          </p:cNvSpPr>
+          <p:nvPr>
+            <p:ph type="body" idx="1"/>
+          </p:nvPr>
+        </p:nvSpPr>
+        <p:spPr>
+          <a:xfrm>
+            <a:off x="720000" y="1464201"/>
+            <a:ext cx="7704000" cy="3627344"/>
+          </a:xfrm>
+          <a:prstGeom prst="rect">
+            <a:avLst/>
+          </a:prstGeom>
+        </p:spPr>
+        <p:txBody>
+          <a:bodyPr spcFirstLastPara="1" wrap="square" lIns="91425" tIns="91425" rIns="91425" bIns="91425" anchor="t" anchorCtr="0">
+            <a:noAutofit/>
+          </a:bodyPr>
+          <a:lstStyle/>
+          <a:p>
+            <a:pPr algn="l">
+              <a:buFont typeface="+mj-lt"/>
+              <a:buAutoNum type="arabicPeriod"/>
+            </a:pPr>
+            <a:r>
+              <a:rPr lang="en-US" sz="1400" b="0" i="0" dirty="0">
+                <a:solidFill>
+                  <a:srgbClr val="374151"/>
+                </a:solidFill>
+                <a:effectLst/>
+                <a:latin typeface="Open san"/>
+              </a:rPr>
+              <a:t>Modify the workflow trigger to capture Microsoft Form submissions with uploaded files.</a:t>
+            </a:r>
+          </a:p>
+          <a:p>
+            <a:pPr algn="l">
+              <a:buFont typeface="+mj-lt"/>
+              <a:buAutoNum type="arabicPeriod"/>
+            </a:pPr>
+            <a:endParaRPr lang="en-US" sz="1400" b="0" i="0" dirty="0">
+              <a:solidFill>
+                <a:srgbClr val="374151"/>
+              </a:solidFill>
+              <a:effectLst/>
+              <a:latin typeface="Open san"/>
+            </a:endParaRPr>
+          </a:p>
+          <a:p>
+            <a:pPr algn="l">
+              <a:buFont typeface="+mj-lt"/>
+              <a:buAutoNum type="arabicPeriod"/>
+            </a:pPr>
+            <a:r>
+              <a:rPr lang="en-US" sz="1400" b="0" i="0" dirty="0">
+                <a:solidFill>
+                  <a:srgbClr val="374151"/>
+                </a:solidFill>
+                <a:effectLst/>
+                <a:latin typeface="Open san"/>
+              </a:rPr>
+              <a:t>Use </a:t>
+            </a:r>
+            <a:r>
+              <a:rPr lang="en-US" sz="1400" b="0" i="0" dirty="0">
+                <a:solidFill>
+                  <a:schemeClr val="tx1">
+                    <a:lumMod val="75000"/>
+                  </a:schemeClr>
+                </a:solidFill>
+                <a:effectLst/>
+                <a:latin typeface="Open san"/>
+              </a:rPr>
+              <a:t>'Get response details'</a:t>
+            </a:r>
+            <a:r>
+              <a:rPr lang="en-US" sz="1400" b="0" i="0" dirty="0">
+                <a:solidFill>
+                  <a:srgbClr val="374151"/>
+                </a:solidFill>
+                <a:effectLst/>
+                <a:latin typeface="Open san"/>
+              </a:rPr>
+              <a:t> action to extract form data, including the file link, and store it in variables.</a:t>
+            </a:r>
+          </a:p>
+          <a:p>
+            <a:pPr algn="l">
+              <a:buFont typeface="+mj-lt"/>
+              <a:buAutoNum type="arabicPeriod"/>
+            </a:pPr>
+            <a:endParaRPr lang="en-US" sz="1400" b="0" i="0" dirty="0">
+              <a:solidFill>
+                <a:srgbClr val="374151"/>
+              </a:solidFill>
+              <a:effectLst/>
+              <a:latin typeface="Open san"/>
+            </a:endParaRPr>
+          </a:p>
+          <a:p>
+            <a:pPr algn="l">
+              <a:buFont typeface="+mj-lt"/>
+              <a:buAutoNum type="arabicPeriod"/>
+            </a:pPr>
+            <a:r>
+              <a:rPr lang="en-US" sz="1400" b="0" i="0" dirty="0">
+                <a:solidFill>
+                  <a:srgbClr val="374151"/>
+                </a:solidFill>
+                <a:effectLst/>
+                <a:latin typeface="Open san"/>
+              </a:rPr>
+              <a:t>Implement </a:t>
+            </a:r>
+            <a:r>
+              <a:rPr lang="en-US" sz="1400" b="0" i="0" dirty="0">
+                <a:solidFill>
+                  <a:schemeClr val="tx1">
+                    <a:lumMod val="75000"/>
+                  </a:schemeClr>
+                </a:solidFill>
+                <a:effectLst/>
+                <a:latin typeface="Open san"/>
+              </a:rPr>
+              <a:t>'Get file content' </a:t>
+            </a:r>
+            <a:r>
+              <a:rPr lang="en-US" sz="1400" b="0" i="0" dirty="0">
+                <a:solidFill>
+                  <a:srgbClr val="374151"/>
+                </a:solidFill>
+                <a:effectLst/>
+                <a:latin typeface="Open san"/>
+              </a:rPr>
+              <a:t>action to fetch the uploaded file from the link and attach it to the email.</a:t>
+            </a:r>
+          </a:p>
+          <a:p>
+            <a:pPr algn="l">
+              <a:buFont typeface="+mj-lt"/>
+              <a:buAutoNum type="arabicPeriod"/>
+            </a:pPr>
+            <a:endParaRPr lang="en-US" sz="1400" b="0" i="0" dirty="0">
+              <a:solidFill>
+                <a:srgbClr val="374151"/>
+              </a:solidFill>
+              <a:effectLst/>
+              <a:latin typeface="Open san"/>
+            </a:endParaRPr>
+          </a:p>
+          <a:p>
+            <a:pPr algn="l">
+              <a:buFont typeface="+mj-lt"/>
+              <a:buAutoNum type="arabicPeriod"/>
+            </a:pPr>
+            <a:r>
+              <a:rPr lang="en-US" sz="1400" b="0" i="0" dirty="0">
+                <a:solidFill>
+                  <a:srgbClr val="374151"/>
+                </a:solidFill>
+                <a:effectLst/>
+                <a:latin typeface="Open san"/>
+              </a:rPr>
+              <a:t>Adjust email formatting to resolve the background issue, ensuring it displays correctly for recipients.</a:t>
+            </a:r>
+          </a:p>
+          <a:p>
+            <a:pPr algn="l">
+              <a:buFont typeface="+mj-lt"/>
+              <a:buAutoNum type="arabicPeriod"/>
+            </a:pPr>
+            <a:endParaRPr lang="en-US" sz="1400" b="0" i="0" dirty="0">
+              <a:solidFill>
+                <a:srgbClr val="374151"/>
+              </a:solidFill>
+              <a:effectLst/>
+              <a:latin typeface="Open san"/>
+            </a:endParaRPr>
+          </a:p>
+          <a:p>
+            <a:pPr algn="l">
+              <a:buFont typeface="+mj-lt"/>
+              <a:buAutoNum type="arabicPeriod"/>
+            </a:pPr>
+            <a:r>
+              <a:rPr lang="en-US" sz="1400" b="0" i="0" dirty="0">
+                <a:solidFill>
+                  <a:srgbClr val="374151"/>
+                </a:solidFill>
+                <a:effectLst/>
+                <a:latin typeface="Open san"/>
+              </a:rPr>
+              <a:t>Thoroughly </a:t>
+            </a:r>
+            <a:r>
+              <a:rPr lang="en-US" sz="1400" b="0" i="0" dirty="0">
+                <a:solidFill>
+                  <a:schemeClr val="tx1">
+                    <a:lumMod val="75000"/>
+                  </a:schemeClr>
+                </a:solidFill>
+                <a:effectLst/>
+                <a:latin typeface="Open san"/>
+              </a:rPr>
+              <a:t>test the updated workflow</a:t>
+            </a:r>
+            <a:r>
+              <a:rPr lang="en-US" sz="1400" b="0" i="0" dirty="0">
+                <a:solidFill>
+                  <a:srgbClr val="374151"/>
+                </a:solidFill>
+                <a:effectLst/>
+                <a:latin typeface="Open san"/>
+              </a:rPr>
+              <a:t> with various form scenarios and files to ensure proper execution and file handling.</a:t>
+            </a:r>
+          </a:p>
+          <a:p>
+            <a:pPr algn="l">
+              <a:buFont typeface="+mj-lt"/>
+              <a:buAutoNum type="arabicPeriod"/>
+            </a:pPr>
+            <a:endParaRPr lang="en-US" sz="1400" b="0" i="0" dirty="0">
+              <a:solidFill>
+                <a:srgbClr val="374151"/>
+              </a:solidFill>
+              <a:effectLst/>
+              <a:latin typeface="Open san"/>
+            </a:endParaRPr>
+          </a:p>
+          <a:p>
+            <a:pPr algn="l">
+              <a:buFont typeface="+mj-lt"/>
+              <a:buAutoNum type="arabicPeriod"/>
+            </a:pPr>
+            <a:r>
+              <a:rPr lang="en-US" sz="1400" b="0" i="0" dirty="0">
+                <a:solidFill>
+                  <a:srgbClr val="374151"/>
+                </a:solidFill>
+                <a:effectLst/>
+                <a:latin typeface="Open san"/>
+              </a:rPr>
+              <a:t>Document the changes made to the workflow for future reference and collaboration with team members.</a:t>
+            </a:r>
+          </a:p>
+        </p:txBody>
+      </p:sp>
+    </p:spTree>
+    <p:extLst>
+      <p:ext uri="{BB962C8B-B14F-4D97-AF65-F5344CB8AC3E}">
+        <p14:creationId xmlns:p14="http://schemas.microsoft.com/office/powerpoint/2010/main" val="2287002484"/>
+      </p:ext>
+    </p:extLst>
+  </p:cSld>
+  <p:clrMapOvr>
+    <a:masterClrMapping/>
+  </p:clrMapOvr>
+</p:sld>
+</file>
+
+<file path=ppt/slides/slide4.xml><?xml version="1.0" encoding="utf-8"?>
+<p:sld xmlns:a="http://schemas.openxmlformats.org/drawingml/2006/main" xmlns:r="http://schemas.openxmlformats.org/officeDocument/2006/relationships" xmlns:p="http://schemas.openxmlformats.org/presentationml/2006/main">
+  <p:cSld>
+    <p:bg>
+      <p:bgPr>
+        <a:gradFill>
+          <a:gsLst>
+            <a:gs pos="30000">
+              <a:schemeClr val="accent1">
+                <a:lumMod val="5000"/>
+                <a:lumOff val="95000"/>
+              </a:schemeClr>
+            </a:gs>
+            <a:gs pos="74000">
+              <a:schemeClr val="accent1">
+                <a:lumMod val="45000"/>
+                <a:lumOff val="55000"/>
+              </a:schemeClr>
+            </a:gs>
+            <a:gs pos="83000">
+              <a:schemeClr val="accent1">
+                <a:lumMod val="45000"/>
+                <a:lumOff val="55000"/>
+              </a:schemeClr>
+            </a:gs>
+            <a:gs pos="100000">
+              <a:schemeClr val="accent1">
+                <a:lumMod val="30000"/>
+                <a:lumOff val="70000"/>
+              </a:schemeClr>
+            </a:gs>
+          </a:gsLst>
+          <a:lin ang="5400000" scaled="1"/>
+        </a:gradFill>
+        <a:effectLst/>
+      </p:bgPr>
+    </p:bg>
     <p:spTree>
       <p:nvGrpSpPr>
         <p:cNvPr id="1" name="Shape 505"/>
@@ -19856,17 +20775,15 @@
                   <a:srgbClr val="FF0000"/>
                 </a:solidFill>
                 <a:effectLst/>
-                <a:latin typeface="Open Sans" panose="020B0606030504020204" pitchFamily="34" charset="0"/>
-                <a:ea typeface="Open Sans" panose="020B0606030504020204" pitchFamily="34" charset="0"/>
-                <a:cs typeface="Open Sans" panose="020B0606030504020204" pitchFamily="34" charset="0"/>
+                <a:latin typeface="Open san"/>
               </a:rPr>
-              <a:t>How would you handle exceptions or errors that may occur during the customer onboarding process in Power Automate?</a:t>
+              <a:t>Can you explain how you would handle an error or exception that occurs during the execution of a Power Automate workflow? </a:t>
             </a:r>
             <a:endParaRPr sz="1600" dirty="0">
               <a:solidFill>
                 <a:srgbClr val="FF0000"/>
               </a:solidFill>
-              <a:latin typeface="Open Sans" panose="020B0606030504020204" pitchFamily="34" charset="0"/>
+              <a:latin typeface="Open san"/>
               <a:ea typeface="Open Sans" panose="020B0606030504020204" pitchFamily="34" charset="0"/>
               <a:cs typeface="Open Sans" panose="020B0606030504020204" pitchFamily="34" charset="0"/>
               <a:sym typeface="Overpass SemiBold"/>
@@ -19886,8 +20803,8 @@
         </p:nvSpPr>
         <p:spPr>
           <a:xfrm>
-            <a:off x="720000" y="1464201"/>
-            <a:ext cx="7704000" cy="3350253"/>
+            <a:off x="720000" y="1242528"/>
+            <a:ext cx="7704000" cy="3731254"/>
           </a:xfrm>
           <a:prstGeom prst="rect">
             <a:avLst/>
@@ -19904,16 +20821,36 @@
               <a:buChar char="•"/>
             </a:pPr>
             <a:r>
-              <a:rPr lang="en-US" b="0" i="0" dirty="0">
+              <a:rPr lang="en-US" sz="1400" b="0" i="0" dirty="0">
                 <a:solidFill>
                   <a:srgbClr val="374151"/>
                 </a:solidFill>
                 <a:effectLst/>
-                <a:latin typeface="Open Sans" panose="020B0606030504020204" pitchFamily="34" charset="0"/>
-                <a:ea typeface="Open Sans" panose="020B0606030504020204" pitchFamily="34" charset="0"/>
-                <a:cs typeface="Open Sans" panose="020B0606030504020204" pitchFamily="34" charset="0"/>
+                <a:latin typeface="Open san"/>
               </a:rPr>
-              <a:t>Implement error handling and logging to record details of errors.</a:t>
+              <a:t>Utilize the </a:t>
+            </a:r>
+            <a:r>
+              <a:rPr lang="en-US" sz="1400" b="0" i="0" dirty="0">
+                <a:solidFill>
+                  <a:schemeClr val="tx1">
+                    <a:lumMod val="75000"/>
+                  </a:schemeClr>
+                </a:solidFill>
+                <a:effectLst/>
+                <a:latin typeface="Open san"/>
+              </a:rPr>
+              <a:t>"Configure run after" </a:t>
+            </a:r>
+            <a:r>
+              <a:rPr lang="en-US" sz="1400" b="0" i="0" dirty="0">
+                <a:solidFill>
+                  <a:srgbClr val="374151"/>
+                </a:solidFill>
+                <a:effectLst/>
+                <a:latin typeface="Open san"/>
+              </a:rPr>
+              <a:t>feature to define specific actions based on the type of error or exception encountered.</a:t>
             </a:r>
           </a:p>
           <a:p>
@@ -19921,14 +20858,12 @@
               <a:buFont typeface="Arial" panose="020B0604020202020204" pitchFamily="34" charset="0"/>
               <a:buChar char="•"/>
             </a:pPr>
-            <a:endParaRPr lang="en-US" b="0" i="0" dirty="0">
+            <a:endParaRPr lang="en-US" sz="1400" b="0" i="0" dirty="0">
               <a:solidFill>
                 <a:srgbClr val="374151"/>
               </a:solidFill>
               <a:effectLst/>
-              <a:latin typeface="Open Sans" panose="020B0606030504020204" pitchFamily="34" charset="0"/>
-              <a:ea typeface="Open Sans" panose="020B0606030504020204" pitchFamily="34" charset="0"/>
-              <a:cs typeface="Open Sans" panose="020B0606030504020204" pitchFamily="34" charset="0"/>
+              <a:latin typeface="Open san"/>
             </a:endParaRPr>
           </a:p>
           <a:p>
@@ -19937,16 +20872,58 @@
               <a:buChar char="•"/>
             </a:pPr>
             <a:r>
-              <a:rPr lang="en-US" b="0" i="0" dirty="0">
+              <a:rPr lang="en-US" sz="1400" b="0" i="0" dirty="0">
                 <a:solidFill>
                   <a:srgbClr val="374151"/>
                 </a:solidFill>
                 <a:effectLst/>
-                <a:latin typeface="Open Sans" panose="020B0606030504020204" pitchFamily="34" charset="0"/>
-                <a:ea typeface="Open Sans" panose="020B0606030504020204" pitchFamily="34" charset="0"/>
-                <a:cs typeface="Open Sans" panose="020B0606030504020204" pitchFamily="34" charset="0"/>
+                <a:latin typeface="Open san"/>
               </a:rPr>
-              <a:t>Set up email notifications or alerts to notify relevant team members of errors.</a:t>
+              <a:t>Implement </a:t>
+            </a:r>
+            <a:r>
+              <a:rPr lang="en-US" sz="1400" b="0" i="0" dirty="0">
+                <a:solidFill>
+                  <a:schemeClr val="tx1">
+                    <a:lumMod val="75000"/>
+                  </a:schemeClr>
+                </a:solidFill>
+                <a:effectLst/>
+                <a:latin typeface="Open san"/>
+              </a:rPr>
+              <a:t>"Scope" actions </a:t>
+            </a:r>
+            <a:r>
+              <a:rPr lang="en-US" sz="1400" b="0" i="0" dirty="0">
+                <a:solidFill>
+                  <a:srgbClr val="374151"/>
+                </a:solidFill>
+                <a:effectLst/>
+                <a:latin typeface="Open san"/>
+              </a:rPr>
+              <a:t>to encapsulate </a:t>
+            </a:r>
+            <a:r>
+              <a:rPr lang="en-US" sz="1400" b="0" i="0" dirty="0">
+                <a:solidFill>
+                  <a:schemeClr val="tx1">
+                    <a:lumMod val="75000"/>
+                  </a:schemeClr>
+                </a:solidFill>
+                <a:effectLst/>
+                <a:latin typeface="Open san"/>
+              </a:rPr>
+              <a:t>critical steps</a:t>
+            </a:r>
+            <a:r>
+              <a:rPr lang="en-US" sz="1400" b="0" i="0" dirty="0">
+                <a:solidFill>
+                  <a:srgbClr val="374151"/>
+                </a:solidFill>
+                <a:effectLst/>
+                <a:latin typeface="Open san"/>
+              </a:rPr>
+              <a:t> within a workflow and handle errors separately.</a:t>
             </a:r>
           </a:p>
           <a:p>
@@ -19954,14 +20931,12 @@
               <a:buFont typeface="Arial" panose="020B0604020202020204" pitchFamily="34" charset="0"/>
               <a:buChar char="•"/>
             </a:pPr>
-            <a:endParaRPr lang="en-US" b="0" i="0" dirty="0">
+            <a:endParaRPr lang="en-US" sz="1400" b="0" i="0" dirty="0">
               <a:solidFill>
                 <a:srgbClr val="374151"/>
               </a:solidFill>
               <a:effectLst/>
-              <a:latin typeface="Open Sans" panose="020B0606030504020204" pitchFamily="34" charset="0"/>
-              <a:ea typeface="Open Sans" panose="020B0606030504020204" pitchFamily="34" charset="0"/>
-              <a:cs typeface="Open Sans" panose="020B0606030504020204" pitchFamily="34" charset="0"/>
+              <a:latin typeface="Open san"/>
             </a:endParaRPr>
           </a:p>
           <a:p>
@@ -19970,16 +20945,36 @@
               <a:buChar char="•"/>
             </a:pPr>
             <a:r>
-              <a:rPr lang="en-US" b="0" i="0" dirty="0">
+              <a:rPr lang="en-US" sz="1400" b="0" i="0" dirty="0">
                 <a:solidFill>
                   <a:srgbClr val="374151"/>
                 </a:solidFill>
                 <a:effectLst/>
-                <a:latin typeface="Open Sans" panose="020B0606030504020204" pitchFamily="34" charset="0"/>
-                <a:ea typeface="Open Sans" panose="020B0606030504020204" pitchFamily="34" charset="0"/>
-                <a:cs typeface="Open Sans" panose="020B0606030504020204" pitchFamily="34" charset="0"/>
+                <a:latin typeface="Open san"/>
               </a:rPr>
-              <a:t>Include a retry mechanism for transient errors to automatically rerun failed steps.</a:t>
+              <a:t>Use </a:t>
+            </a:r>
+            <a:r>
+              <a:rPr lang="en-US" sz="1400" b="0" i="0" dirty="0">
+                <a:solidFill>
+                  <a:schemeClr val="tx1">
+                    <a:lumMod val="75000"/>
+                  </a:schemeClr>
+                </a:solidFill>
+                <a:effectLst/>
+                <a:latin typeface="Open san"/>
+              </a:rPr>
+              <a:t>"Terminate" </a:t>
+            </a:r>
+            <a:r>
+              <a:rPr lang="en-US" sz="1400" b="0" i="0" dirty="0">
+                <a:solidFill>
+                  <a:srgbClr val="374151"/>
+                </a:solidFill>
+                <a:effectLst/>
+                <a:latin typeface="Open san"/>
+              </a:rPr>
+              <a:t>actions with appropriate error messages to stop the workflow when necessary.</a:t>
             </a:r>
           </a:p>
           <a:p>
@@ -19987,14 +20982,12 @@
               <a:buFont typeface="Arial" panose="020B0604020202020204" pitchFamily="34" charset="0"/>
               <a:buChar char="•"/>
             </a:pPr>
-            <a:endParaRPr lang="en-US" b="0" i="0" dirty="0">
+            <a:endParaRPr lang="en-US" sz="1400" b="0" i="0" dirty="0">
               <a:solidFill>
                 <a:srgbClr val="374151"/>
               </a:solidFill>
               <a:effectLst/>
-              <a:latin typeface="Open Sans" panose="020B0606030504020204" pitchFamily="34" charset="0"/>
-              <a:ea typeface="Open Sans" panose="020B0606030504020204" pitchFamily="34" charset="0"/>
-              <a:cs typeface="Open Sans" panose="020B0606030504020204" pitchFamily="34" charset="0"/>
+              <a:latin typeface="Open san"/>
             </a:endParaRPr>
           </a:p>
           <a:p>
@@ -20003,16 +20996,36 @@
               <a:buChar char="•"/>
             </a:pPr>
             <a:r>
-              <a:rPr lang="en-US" b="0" i="0" dirty="0">
+              <a:rPr lang="en-US" sz="1400" b="0" i="0" dirty="0">
                 <a:solidFill>
                   <a:srgbClr val="374151"/>
                 </a:solidFill>
                 <a:effectLst/>
-                <a:latin typeface="Open Sans" panose="020B0606030504020204" pitchFamily="34" charset="0"/>
-                <a:ea typeface="Open Sans" panose="020B0606030504020204" pitchFamily="34" charset="0"/>
-                <a:cs typeface="Open Sans" panose="020B0606030504020204" pitchFamily="34" charset="0"/>
+                <a:latin typeface="Open san"/>
               </a:rPr>
-              <a:t>Use conditional branching to redirect the flow based on the type of error encountered.</a:t>
+              <a:t>Employ </a:t>
+            </a:r>
+            <a:r>
+              <a:rPr lang="en-US" sz="1400" b="0" i="0" dirty="0">
+                <a:solidFill>
+                  <a:schemeClr val="tx1">
+                    <a:lumMod val="75000"/>
+                  </a:schemeClr>
+                </a:solidFill>
+                <a:effectLst/>
+                <a:latin typeface="Open san"/>
+              </a:rPr>
+              <a:t>"Retry" mechanisms </a:t>
+            </a:r>
+            <a:r>
+              <a:rPr lang="en-US" sz="1400" b="0" i="0" dirty="0">
+                <a:solidFill>
+                  <a:srgbClr val="374151"/>
+                </a:solidFill>
+                <a:effectLst/>
+                <a:latin typeface="Open san"/>
+              </a:rPr>
+              <a:t>to automatically rerun failed actions after a short interval for transient errors.</a:t>
             </a:r>
           </a:p>
           <a:p>
@@ -20020,14 +21033,12 @@
               <a:buFont typeface="Arial" panose="020B0604020202020204" pitchFamily="34" charset="0"/>
               <a:buChar char="•"/>
             </a:pPr>
-            <a:endParaRPr lang="en-US" b="0" i="0" dirty="0">
+            <a:endParaRPr lang="en-US" sz="1400" b="0" i="0" dirty="0">
               <a:solidFill>
                 <a:srgbClr val="374151"/>
               </a:solidFill>
               <a:effectLst/>
-              <a:latin typeface="Open Sans" panose="020B0606030504020204" pitchFamily="34" charset="0"/>
-              <a:ea typeface="Open Sans" panose="020B0606030504020204" pitchFamily="34" charset="0"/>
-              <a:cs typeface="Open Sans" panose="020B0606030504020204" pitchFamily="34" charset="0"/>
+              <a:latin typeface="Open san"/>
             </a:endParaRPr>
           </a:p>
           <a:p>
@@ -20036,16 +21047,36 @@
               <a:buChar char="•"/>
             </a:pPr>
             <a:r>
-              <a:rPr lang="en-US" b="0" i="0" dirty="0">
+              <a:rPr lang="en-US" sz="1400" b="0" i="0" dirty="0">
                 <a:solidFill>
                   <a:srgbClr val="374151"/>
                 </a:solidFill>
                 <a:effectLst/>
-                <a:latin typeface="Open Sans" panose="020B0606030504020204" pitchFamily="34" charset="0"/>
-                <a:ea typeface="Open Sans" panose="020B0606030504020204" pitchFamily="34" charset="0"/>
-                <a:cs typeface="Open Sans" panose="020B0606030504020204" pitchFamily="34" charset="0"/>
+                <a:latin typeface="Open san"/>
               </a:rPr>
-              <a:t>Create error-handling steps to address specific exceptions, such as data validation failures.</a:t>
+              <a:t>Set up </a:t>
+            </a:r>
+            <a:r>
+              <a:rPr lang="en-US" sz="1400" b="0" i="0" dirty="0">
+                <a:solidFill>
+                  <a:schemeClr val="tx1">
+                    <a:lumMod val="75000"/>
+                  </a:schemeClr>
+                </a:solidFill>
+                <a:effectLst/>
+                <a:latin typeface="Open san"/>
+              </a:rPr>
+              <a:t>email notifications or alerts</a:t>
+            </a:r>
+            <a:r>
+              <a:rPr lang="en-US" sz="1400" b="0" i="0" dirty="0">
+                <a:solidFill>
+                  <a:srgbClr val="374151"/>
+                </a:solidFill>
+                <a:effectLst/>
+                <a:latin typeface="Open san"/>
+              </a:rPr>
+              <a:t> to inform relevant stakeholders about the error occurrence.</a:t>
             </a:r>
           </a:p>
           <a:p>
@@ -20053,14 +21084,12 @@
               <a:buFont typeface="Arial" panose="020B0604020202020204" pitchFamily="34" charset="0"/>
               <a:buChar char="•"/>
             </a:pPr>
-            <a:endParaRPr lang="en-US" b="0" i="0" dirty="0">
+            <a:endParaRPr lang="en-US" sz="1400" b="0" i="0" dirty="0">
               <a:solidFill>
                 <a:srgbClr val="374151"/>
               </a:solidFill>
               <a:effectLst/>
-              <a:latin typeface="Open Sans" panose="020B0606030504020204" pitchFamily="34" charset="0"/>
-              <a:ea typeface="Open Sans" panose="020B0606030504020204" pitchFamily="34" charset="0"/>
-              <a:cs typeface="Open Sans" panose="020B0606030504020204" pitchFamily="34" charset="0"/>
+              <a:latin typeface="Open san"/>
             </a:endParaRPr>
           </a:p>
           <a:p>
@@ -20069,30 +21098,49 @@
               <a:buChar char="•"/>
             </a:pPr>
             <a:r>
-              <a:rPr lang="en-US" b="0" i="0" dirty="0">
+              <a:rPr lang="en-US" sz="1400" b="0" i="0" dirty="0">
                 <a:solidFill>
                   <a:srgbClr val="374151"/>
                 </a:solidFill>
                 <a:effectLst/>
-                <a:latin typeface="Open Sans" panose="020B0606030504020204" pitchFamily="34" charset="0"/>
-                <a:ea typeface="Open Sans" panose="020B0606030504020204" pitchFamily="34" charset="0"/>
-                <a:cs typeface="Open Sans" panose="020B0606030504020204" pitchFamily="34" charset="0"/>
+                <a:latin typeface="Open san"/>
               </a:rPr>
-              <a:t>Provide clear error messages to users to understand and resolve issues promptly.</a:t>
+              <a:t>Implement </a:t>
+            </a:r>
+            <a:r>
+              <a:rPr lang="en-US" sz="1400" b="0" i="0" dirty="0">
+                <a:solidFill>
+                  <a:schemeClr val="tx1">
+                    <a:lumMod val="75000"/>
+                  </a:schemeClr>
+                </a:solidFill>
+                <a:effectLst/>
+                <a:latin typeface="Open san"/>
+              </a:rPr>
+              <a:t>"Catch" </a:t>
+            </a:r>
+            <a:r>
+              <a:rPr lang="en-US" sz="1400" b="0" i="0" dirty="0">
+                <a:solidFill>
+                  <a:srgbClr val="374151"/>
+                </a:solidFill>
+                <a:effectLst/>
+                <a:latin typeface="Open san"/>
+              </a:rPr>
+              <a:t>blocks to handle exceptions and execute recovery actions or log errors for analysis.</a:t>
             </a:r>
           </a:p>
           <a:p>
-            <a:pPr marL="127000" indent="0" algn="l">
-              <a:buNone/>
+            <a:pPr algn="l">
+              <a:buFont typeface="Arial" panose="020B0604020202020204" pitchFamily="34" charset="0"/>
+              <a:buChar char="•"/>
             </a:pPr>
-            <a:endParaRPr lang="en-US" b="0" i="0" dirty="0">
+            <a:endParaRPr lang="en-US" sz="1400" b="0" i="0" dirty="0">
               <a:solidFill>
                 <a:srgbClr val="374151"/>
               </a:solidFill>
               <a:effectLst/>
-              <a:latin typeface="Open Sans" panose="020B0606030504020204" pitchFamily="34" charset="0"/>
-              <a:ea typeface="Open Sans" panose="020B0606030504020204" pitchFamily="34" charset="0"/>
-              <a:cs typeface="Open Sans" panose="020B0606030504020204" pitchFamily="34" charset="0"/>
+              <a:latin typeface="Open san"/>
             </a:endParaRPr>
           </a:p>
           <a:p>
@@ -20101,21 +21149,24 @@
               <a:buChar char="•"/>
             </a:pPr>
             <a:r>
-              <a:rPr lang="en-US" b="0" i="0" dirty="0">
+              <a:rPr lang="en-US" sz="1400" b="0" i="0" dirty="0">
                 <a:solidFill>
                   <a:srgbClr val="374151"/>
                 </a:solidFill>
                 <a:effectLst/>
-                <a:latin typeface="Open Sans" panose="020B0606030504020204" pitchFamily="34" charset="0"/>
-                <a:ea typeface="Open Sans" panose="020B0606030504020204" pitchFamily="34" charset="0"/>
-                <a:cs typeface="Open Sans" panose="020B0606030504020204" pitchFamily="34" charset="0"/>
+                <a:latin typeface="Open san"/>
               </a:rPr>
-              <a:t>Regularly monitor and review error logs to identify recurring issues and improve the onboarding process.</a:t>
+              <a:t>Regularly monitor and review error logs to identify recurring issues and optimize the workflow.</a:t>
             </a:r>
           </a:p>
         </p:txBody>
       </p:sp>
     </p:spTree>
+    <p:extLst>
+      <p:ext uri="{BB962C8B-B14F-4D97-AF65-F5344CB8AC3E}">
+        <p14:creationId xmlns:p14="http://schemas.microsoft.com/office/powerpoint/2010/main" val="3990337881"/>
+      </p:ext>
+    </p:extLst>
   </p:cSld>
   <p:clrMapOvr>
     <a:masterClrMapping/>
@@ -20123,9 +21174,43 @@
 </p:sld>
 </file>
 
-<file path=ppt/slides/slide3.xml><?xml version="1.0" encoding="utf-8"?>
+<file path=ppt/slides/slide5.xml><?xml version="1.0" encoding="utf-8"?>
 <p:sld xmlns:a="http://schemas.openxmlformats.org/drawingml/2006/main" xmlns:r="http://schemas.openxmlformats.org/officeDocument/2006/relationships" xmlns:p="http://schemas.openxmlformats.org/presentationml/2006/main">
   <p:cSld>
+    <p:bg>
+      <p:bgPr>
+        <a:gradFill>
+          <a:gsLst>
+            <a:gs pos="30000">
+              <a:schemeClr val="accent1">
+                <a:lumMod val="5000"/>
+                <a:lumOff val="95000"/>
+              </a:schemeClr>
+            </a:gs>
+            <a:gs pos="74000">
+              <a:schemeClr val="accent1">
+                <a:lumMod val="45000"/>
+                <a:lumOff val="55000"/>
+              </a:schemeClr>
+            </a:gs>
+            <a:gs pos="83000">
+              <a:schemeClr val="accent1">
+                <a:lumMod val="45000"/>
+                <a:lumOff val="55000"/>
+              </a:schemeClr>
+            </a:gs>
+            <a:gs pos="100000">
+              <a:schemeClr val="accent1">
+                <a:lumMod val="30000"/>
+                <a:lumOff val="70000"/>
+              </a:schemeClr>
+            </a:gs>
+          </a:gsLst>
+          <a:lin ang="5400000" scaled="1"/>
+        </a:gradFill>
+        <a:effectLst/>
+      </p:bgPr>
+    </p:bg>
     <p:spTree>
       <p:nvGrpSpPr>
         <p:cNvPr id="1" name="Shape 505"/>
@@ -20180,17 +21265,15 @@
                   <a:srgbClr val="FF0000"/>
                 </a:solidFill>
                 <a:effectLst/>
-                <a:latin typeface="Open Sans" panose="020B0606030504020204" pitchFamily="34" charset="0"/>
-                <a:ea typeface="Open Sans" panose="020B0606030504020204" pitchFamily="34" charset="0"/>
-                <a:cs typeface="Open Sans" panose="020B0606030504020204" pitchFamily="34" charset="0"/>
+                <a:latin typeface="Open san"/>
               </a:rPr>
-              <a:t>How would you use Power Automate to automate the process of generating and sending invoices to customers? </a:t>
+              <a:t>Can you explain how you would optimize a Power Automate workflow to improve its performance and efficiency?</a:t>
             </a:r>
             <a:endParaRPr sz="1600" dirty="0">
               <a:solidFill>
                 <a:srgbClr val="FF0000"/>
               </a:solidFill>
-              <a:latin typeface="Open Sans" panose="020B0606030504020204" pitchFamily="34" charset="0"/>
+              <a:latin typeface="Open san"/>
               <a:ea typeface="Open Sans" panose="020B0606030504020204" pitchFamily="34" charset="0"/>
               <a:cs typeface="Open Sans" panose="020B0606030504020204" pitchFamily="34" charset="0"/>
               <a:sym typeface="Overpass SemiBold"/>
@@ -20210,8 +21293,8 @@
         </p:nvSpPr>
         <p:spPr>
           <a:xfrm>
-            <a:off x="720000" y="1519620"/>
-            <a:ext cx="7704000" cy="3516508"/>
+            <a:off x="720000" y="1152474"/>
+            <a:ext cx="7704000" cy="3991026"/>
           </a:xfrm>
           <a:prstGeom prst="rect">
             <a:avLst/>
@@ -20228,16 +21311,27 @@
               <a:buChar char="•"/>
             </a:pPr>
             <a:r>
-              <a:rPr lang="en-US" b="0" i="0" dirty="0">
+              <a:rPr lang="en-US" sz="1400" b="0" i="0" dirty="0">
+                <a:solidFill>
+                  <a:schemeClr val="bg2">
+                    <a:lumMod val="90000"/>
+                    <a:lumOff val="10000"/>
+                  </a:schemeClr>
+                </a:solidFill>
+                <a:effectLst/>
+                <a:latin typeface="Open san"/>
+              </a:rPr>
+              <a:t>Minimize the number of actions </a:t>
+            </a:r>
+            <a:r>
+              <a:rPr lang="en-US" sz="1400" b="0" i="0" dirty="0">
                 <a:solidFill>
                   <a:srgbClr val="374151"/>
                 </a:solidFill>
                 <a:effectLst/>
-                <a:latin typeface="Open Sans" panose="020B0606030504020204" pitchFamily="34" charset="0"/>
-                <a:ea typeface="Open Sans" panose="020B0606030504020204" pitchFamily="34" charset="0"/>
-                <a:cs typeface="Open Sans" panose="020B0606030504020204" pitchFamily="34" charset="0"/>
+                <a:latin typeface="Open san"/>
               </a:rPr>
-              <a:t>Set up a trigger to initiate the flow when an order is marked as "completed" in the sales system.</a:t>
+              <a:t>by simplifying and optimizing the workflow logic.</a:t>
             </a:r>
           </a:p>
           <a:p>
@@ -20245,14 +21339,12 @@
               <a:buFont typeface="Arial" panose="020B0604020202020204" pitchFamily="34" charset="0"/>
               <a:buChar char="•"/>
             </a:pPr>
-            <a:endParaRPr lang="en-US" b="0" i="0" dirty="0">
+            <a:endParaRPr lang="en-US" sz="1400" b="0" i="0" dirty="0">
               <a:solidFill>
                 <a:srgbClr val="374151"/>
               </a:solidFill>
               <a:effectLst/>
-              <a:latin typeface="Open Sans" panose="020B0606030504020204" pitchFamily="34" charset="0"/>
-              <a:ea typeface="Open Sans" panose="020B0606030504020204" pitchFamily="34" charset="0"/>
-              <a:cs typeface="Open Sans" panose="020B0606030504020204" pitchFamily="34" charset="0"/>
+              <a:latin typeface="Open san"/>
             </a:endParaRPr>
           </a:p>
           <a:p>
@@ -20261,16 +21353,27 @@
               <a:buChar char="•"/>
             </a:pPr>
             <a:r>
-              <a:rPr lang="en-US" b="0" i="0" dirty="0">
+              <a:rPr lang="en-US" sz="1400" b="0" i="0" dirty="0">
+                <a:solidFill>
+                  <a:schemeClr val="bg2">
+                    <a:lumMod val="90000"/>
+                    <a:lumOff val="10000"/>
+                  </a:schemeClr>
+                </a:solidFill>
+                <a:effectLst/>
+                <a:latin typeface="Open san"/>
+              </a:rPr>
+              <a:t>Use "Scope" </a:t>
+            </a:r>
+            <a:r>
+              <a:rPr lang="en-US" sz="1400" b="0" i="0" dirty="0">
                 <a:solidFill>
                   <a:srgbClr val="374151"/>
                 </a:solidFill>
                 <a:effectLst/>
-                <a:latin typeface="Open Sans" panose="020B0606030504020204" pitchFamily="34" charset="0"/>
-                <a:ea typeface="Open Sans" panose="020B0606030504020204" pitchFamily="34" charset="0"/>
-                <a:cs typeface="Open Sans" panose="020B0606030504020204" pitchFamily="34" charset="0"/>
+                <a:latin typeface="Open san"/>
               </a:rPr>
-              <a:t>Fetch relevant order and customer data from the sales system or database.</a:t>
+              <a:t>actions to group related steps together and reduce visual clutter.</a:t>
             </a:r>
           </a:p>
           <a:p>
@@ -20278,14 +21381,12 @@
               <a:buFont typeface="Arial" panose="020B0604020202020204" pitchFamily="34" charset="0"/>
               <a:buChar char="•"/>
             </a:pPr>
-            <a:endParaRPr lang="en-US" b="0" i="0" dirty="0">
+            <a:endParaRPr lang="en-US" sz="1400" b="0" i="0" dirty="0">
               <a:solidFill>
                 <a:srgbClr val="374151"/>
               </a:solidFill>
               <a:effectLst/>
-              <a:latin typeface="Open Sans" panose="020B0606030504020204" pitchFamily="34" charset="0"/>
-              <a:ea typeface="Open Sans" panose="020B0606030504020204" pitchFamily="34" charset="0"/>
-              <a:cs typeface="Open Sans" panose="020B0606030504020204" pitchFamily="34" charset="0"/>
+              <a:latin typeface="Open san"/>
             </a:endParaRPr>
           </a:p>
           <a:p>
@@ -20294,16 +21395,14 @@
               <a:buChar char="•"/>
             </a:pPr>
             <a:r>
-              <a:rPr lang="en-US" b="0" i="0" dirty="0">
+              <a:rPr lang="en-US" sz="1400" b="0" i="0" dirty="0">
                 <a:solidFill>
                   <a:srgbClr val="374151"/>
                 </a:solidFill>
                 <a:effectLst/>
-                <a:latin typeface="Open Sans" panose="020B0606030504020204" pitchFamily="34" charset="0"/>
-                <a:ea typeface="Open Sans" panose="020B0606030504020204" pitchFamily="34" charset="0"/>
-                <a:cs typeface="Open Sans" panose="020B0606030504020204" pitchFamily="34" charset="0"/>
+                <a:latin typeface="Open san"/>
               </a:rPr>
-              <a:t>Generate invoice documents dynamically using Microsoft Word or PDF templates with dynamic content.</a:t>
+              <a:t>Utilize parallel branches to perform independent tasks simultaneously, improving overall execution time.</a:t>
             </a:r>
           </a:p>
           <a:p>
@@ -20311,14 +21410,12 @@
               <a:buFont typeface="Arial" panose="020B0604020202020204" pitchFamily="34" charset="0"/>
               <a:buChar char="•"/>
             </a:pPr>
-            <a:endParaRPr lang="en-US" b="0" i="0" dirty="0">
+            <a:endParaRPr lang="en-US" sz="1400" b="0" i="0" dirty="0">
               <a:solidFill>
                 <a:srgbClr val="374151"/>
               </a:solidFill>
               <a:effectLst/>
-              <a:latin typeface="Open Sans" panose="020B0606030504020204" pitchFamily="34" charset="0"/>
-              <a:ea typeface="Open Sans" panose="020B0606030504020204" pitchFamily="34" charset="0"/>
-              <a:cs typeface="Open Sans" panose="020B0606030504020204" pitchFamily="34" charset="0"/>
+              <a:latin typeface="Open san"/>
             </a:endParaRPr>
           </a:p>
           <a:p>
@@ -20327,16 +21424,37 @@
               <a:buChar char="•"/>
             </a:pPr>
             <a:r>
-              <a:rPr lang="en-US" b="0" i="0" dirty="0">
+              <a:rPr lang="en-US" sz="1400" b="0" i="0" dirty="0">
                 <a:solidFill>
                   <a:srgbClr val="374151"/>
                 </a:solidFill>
                 <a:effectLst/>
-                <a:latin typeface="Open Sans" panose="020B0606030504020204" pitchFamily="34" charset="0"/>
-                <a:ea typeface="Open Sans" panose="020B0606030504020204" pitchFamily="34" charset="0"/>
-                <a:cs typeface="Open Sans" panose="020B0606030504020204" pitchFamily="34" charset="0"/>
+                <a:latin typeface="Open san"/>
               </a:rPr>
-              <a:t>Automate the attachment of generated invoices to personalized emails for each customer.</a:t>
+              <a:t>Implement </a:t>
+            </a:r>
+            <a:r>
+              <a:rPr lang="en-US" sz="1400" b="0" i="0" dirty="0">
+                <a:solidFill>
+                  <a:schemeClr val="bg2">
+                    <a:lumMod val="90000"/>
+                    <a:lumOff val="10000"/>
+                  </a:schemeClr>
+                </a:solidFill>
+                <a:effectLst/>
+                <a:latin typeface="Open san"/>
+              </a:rPr>
+              <a:t>"Configure run after" </a:t>
+            </a:r>
+            <a:r>
+              <a:rPr lang="en-US" sz="1400" b="0" i="0" dirty="0">
+                <a:solidFill>
+                  <a:srgbClr val="374151"/>
+                </a:solidFill>
+                <a:effectLst/>
+                <a:latin typeface="Open san"/>
+              </a:rPr>
+              <a:t>options to skip unnecessary actions when certain conditions are not met.</a:t>
             </a:r>
           </a:p>
           <a:p>
@@ -20344,14 +21462,12 @@
               <a:buFont typeface="Arial" panose="020B0604020202020204" pitchFamily="34" charset="0"/>
               <a:buChar char="•"/>
             </a:pPr>
-            <a:endParaRPr lang="en-US" b="0" i="0" dirty="0">
+            <a:endParaRPr lang="en-US" sz="1400" b="0" i="0" dirty="0">
               <a:solidFill>
                 <a:srgbClr val="374151"/>
               </a:solidFill>
               <a:effectLst/>
-              <a:latin typeface="Open Sans" panose="020B0606030504020204" pitchFamily="34" charset="0"/>
-              <a:ea typeface="Open Sans" panose="020B0606030504020204" pitchFamily="34" charset="0"/>
-              <a:cs typeface="Open Sans" panose="020B0606030504020204" pitchFamily="34" charset="0"/>
+              <a:latin typeface="Open san"/>
             </a:endParaRPr>
           </a:p>
           <a:p>
@@ -20360,16 +21476,37 @@
               <a:buChar char="•"/>
             </a:pPr>
             <a:r>
-              <a:rPr lang="en-US" b="0" i="0" dirty="0">
+              <a:rPr lang="en-US" sz="1400" b="0" i="0" dirty="0">
                 <a:solidFill>
                   <a:srgbClr val="374151"/>
                 </a:solidFill>
                 <a:effectLst/>
-                <a:latin typeface="Open Sans" panose="020B0606030504020204" pitchFamily="34" charset="0"/>
-                <a:ea typeface="Open Sans" panose="020B0606030504020204" pitchFamily="34" charset="0"/>
-                <a:cs typeface="Open Sans" panose="020B0606030504020204" pitchFamily="34" charset="0"/>
+                <a:latin typeface="Open san"/>
               </a:rPr>
-              <a:t>Use conditions to route invoices based on customer preferences or payment methods.</a:t>
+              <a:t>Apply </a:t>
+            </a:r>
+            <a:r>
+              <a:rPr lang="en-US" sz="1400" b="0" i="0" dirty="0">
+                <a:solidFill>
+                  <a:schemeClr val="bg2">
+                    <a:lumMod val="90000"/>
+                    <a:lumOff val="10000"/>
+                  </a:schemeClr>
+                </a:solidFill>
+                <a:effectLst/>
+                <a:latin typeface="Open san"/>
+              </a:rPr>
+              <a:t>"Delay" actions </a:t>
+            </a:r>
+            <a:r>
+              <a:rPr lang="en-US" sz="1400" b="0" i="0" dirty="0">
+                <a:solidFill>
+                  <a:srgbClr val="374151"/>
+                </a:solidFill>
+                <a:effectLst/>
+                <a:latin typeface="Open san"/>
+              </a:rPr>
+              <a:t>strategically to prevent overloading systems with frequent requests.</a:t>
             </a:r>
           </a:p>
           <a:p>
@@ -20377,14 +21514,12 @@
               <a:buFont typeface="Arial" panose="020B0604020202020204" pitchFamily="34" charset="0"/>
               <a:buChar char="•"/>
             </a:pPr>
-            <a:endParaRPr lang="en-US" b="0" i="0" dirty="0">
+            <a:endParaRPr lang="en-US" sz="1400" b="0" i="0" dirty="0">
               <a:solidFill>
                 <a:srgbClr val="374151"/>
               </a:solidFill>
               <a:effectLst/>
-              <a:latin typeface="Open Sans" panose="020B0606030504020204" pitchFamily="34" charset="0"/>
-              <a:ea typeface="Open Sans" panose="020B0606030504020204" pitchFamily="34" charset="0"/>
-              <a:cs typeface="Open Sans" panose="020B0606030504020204" pitchFamily="34" charset="0"/>
+              <a:latin typeface="Open san"/>
             </a:endParaRPr>
           </a:p>
           <a:p>
@@ -20393,16 +21528,14 @@
               <a:buChar char="•"/>
             </a:pPr>
             <a:r>
-              <a:rPr lang="en-US" b="0" i="0" dirty="0">
+              <a:rPr lang="en-US" sz="1400" b="0" i="0" dirty="0">
                 <a:solidFill>
                   <a:srgbClr val="374151"/>
                 </a:solidFill>
                 <a:effectLst/>
-                <a:latin typeface="Open Sans" panose="020B0606030504020204" pitchFamily="34" charset="0"/>
-                <a:ea typeface="Open Sans" panose="020B0606030504020204" pitchFamily="34" charset="0"/>
-                <a:cs typeface="Open Sans" panose="020B0606030504020204" pitchFamily="34" charset="0"/>
+                <a:latin typeface="Open san"/>
               </a:rPr>
-              <a:t>Send the invoices to customers via email directly from Power Automate.</a:t>
+              <a:t>Optimize data processing by using appropriate filtering and aggregation techniques.</a:t>
             </a:r>
           </a:p>
           <a:p>
@@ -20410,14 +21543,12 @@
               <a:buFont typeface="Arial" panose="020B0604020202020204" pitchFamily="34" charset="0"/>
               <a:buChar char="•"/>
             </a:pPr>
-            <a:endParaRPr lang="en-US" b="0" i="0" dirty="0">
+            <a:endParaRPr lang="en-US" sz="1400" b="0" i="0" dirty="0">
               <a:solidFill>
                 <a:srgbClr val="374151"/>
               </a:solidFill>
               <a:effectLst/>
-              <a:latin typeface="Open Sans" panose="020B0606030504020204" pitchFamily="34" charset="0"/>
-              <a:ea typeface="Open Sans" panose="020B0606030504020204" pitchFamily="34" charset="0"/>
-              <a:cs typeface="Open Sans" panose="020B0606030504020204" pitchFamily="34" charset="0"/>
+              <a:latin typeface="Open san"/>
             </a:endParaRPr>
           </a:p>
           <a:p>
@@ -20426,16 +21557,37 @@
               <a:buChar char="•"/>
             </a:pPr>
             <a:r>
-              <a:rPr lang="en-US" b="0" i="0" dirty="0">
+              <a:rPr lang="en-US" sz="1400" b="0" i="0" dirty="0">
                 <a:solidFill>
                   <a:srgbClr val="374151"/>
                 </a:solidFill>
                 <a:effectLst/>
-                <a:latin typeface="Open Sans" panose="020B0606030504020204" pitchFamily="34" charset="0"/>
-                <a:ea typeface="Open Sans" panose="020B0606030504020204" pitchFamily="34" charset="0"/>
-                <a:cs typeface="Open Sans" panose="020B0606030504020204" pitchFamily="34" charset="0"/>
+                <a:latin typeface="Open san"/>
               </a:rPr>
-              <a:t>Implement error handling to address any issues during the process.</a:t>
+              <a:t>Use </a:t>
+            </a:r>
+            <a:r>
+              <a:rPr lang="en-US" sz="1400" b="0" i="0" dirty="0">
+                <a:solidFill>
+                  <a:schemeClr val="bg2">
+                    <a:lumMod val="90000"/>
+                    <a:lumOff val="10000"/>
+                  </a:schemeClr>
+                </a:solidFill>
+                <a:effectLst/>
+                <a:latin typeface="Open san"/>
+              </a:rPr>
+              <a:t>variables to store </a:t>
+            </a:r>
+            <a:r>
+              <a:rPr lang="en-US" sz="1400" b="0" i="0" dirty="0">
+                <a:solidFill>
+                  <a:srgbClr val="374151"/>
+                </a:solidFill>
+                <a:effectLst/>
+                <a:latin typeface="Open san"/>
+              </a:rPr>
+              <a:t>intermediate results and reduce redundant data retrieval.</a:t>
             </a:r>
           </a:p>
           <a:p>
@@ -20443,14 +21595,12 @@
               <a:buFont typeface="Arial" panose="020B0604020202020204" pitchFamily="34" charset="0"/>
               <a:buChar char="•"/>
             </a:pPr>
-            <a:endParaRPr lang="en-US" b="0" i="0" dirty="0">
+            <a:endParaRPr lang="en-US" sz="1400" b="0" i="0" dirty="0">
               <a:solidFill>
                 <a:srgbClr val="374151"/>
               </a:solidFill>
               <a:effectLst/>
-              <a:latin typeface="Open Sans" panose="020B0606030504020204" pitchFamily="34" charset="0"/>
-              <a:ea typeface="Open Sans" panose="020B0606030504020204" pitchFamily="34" charset="0"/>
-              <a:cs typeface="Open Sans" panose="020B0606030504020204" pitchFamily="34" charset="0"/>
+              <a:latin typeface="Open san"/>
             </a:endParaRPr>
           </a:p>
           <a:p>
@@ -20459,16 +21609,37 @@
               <a:buChar char="•"/>
             </a:pPr>
             <a:r>
-              <a:rPr lang="en-US" b="0" i="0" dirty="0">
+              <a:rPr lang="en-US" sz="1400" b="0" i="0" dirty="0">
                 <a:solidFill>
                   <a:srgbClr val="374151"/>
                 </a:solidFill>
                 <a:effectLst/>
-                <a:latin typeface="Open Sans" panose="020B0606030504020204" pitchFamily="34" charset="0"/>
-                <a:ea typeface="Open Sans" panose="020B0606030504020204" pitchFamily="34" charset="0"/>
-                <a:cs typeface="Open Sans" panose="020B0606030504020204" pitchFamily="34" charset="0"/>
+                <a:latin typeface="Open san"/>
               </a:rPr>
-              <a:t>Set up regular flow runs to ensure invoices are sent promptly and automatically.</a:t>
+              <a:t>Regularly review and refine the workflow to ensure it </a:t>
+            </a:r>
+            <a:r>
+              <a:rPr lang="en-US" sz="1400" b="0" i="0" dirty="0">
+                <a:solidFill>
+                  <a:schemeClr val="bg2">
+                    <a:lumMod val="90000"/>
+                    <a:lumOff val="10000"/>
+                  </a:schemeClr>
+                </a:solidFill>
+                <a:effectLst/>
+                <a:latin typeface="Open san"/>
+              </a:rPr>
+              <a:t>aligns with changing business requirements </a:t>
+            </a:r>
+            <a:r>
+              <a:rPr lang="en-US" sz="1400" b="0" i="0" dirty="0">
+                <a:solidFill>
+                  <a:srgbClr val="374151"/>
+                </a:solidFill>
+                <a:effectLst/>
+                <a:latin typeface="Open san"/>
+              </a:rPr>
+              <a:t>and maintains optimal performance.</a:t>
             </a:r>
           </a:p>
         </p:txBody>
@@ -20476,7 +21647,7 @@
     </p:spTree>
     <p:extLst>
       <p:ext uri="{BB962C8B-B14F-4D97-AF65-F5344CB8AC3E}">
-        <p14:creationId xmlns:p14="http://schemas.microsoft.com/office/powerpoint/2010/main" val="1861548979"/>
+        <p14:creationId xmlns:p14="http://schemas.microsoft.com/office/powerpoint/2010/main" val="2723651191"/>
       </p:ext>
     </p:extLst>
   </p:cSld>
@@ -20486,9 +21657,43 @@
 </p:sld>
 </file>
 
-<file path=ppt/slides/slide4.xml><?xml version="1.0" encoding="utf-8"?>
+<file path=ppt/slides/slide6.xml><?xml version="1.0" encoding="utf-8"?>
 <p:sld xmlns:a="http://schemas.openxmlformats.org/drawingml/2006/main" xmlns:r="http://schemas.openxmlformats.org/officeDocument/2006/relationships" xmlns:p="http://schemas.openxmlformats.org/presentationml/2006/main">
   <p:cSld>
+    <p:bg>
+      <p:bgPr>
+        <a:gradFill>
+          <a:gsLst>
+            <a:gs pos="30000">
+              <a:schemeClr val="accent1">
+                <a:lumMod val="5000"/>
+                <a:lumOff val="95000"/>
+              </a:schemeClr>
+            </a:gs>
+            <a:gs pos="74000">
+              <a:schemeClr val="accent1">
+                <a:lumMod val="45000"/>
+                <a:lumOff val="55000"/>
+              </a:schemeClr>
+            </a:gs>
+            <a:gs pos="83000">
+              <a:schemeClr val="accent1">
+                <a:lumMod val="45000"/>
+                <a:lumOff val="55000"/>
+              </a:schemeClr>
+            </a:gs>
+            <a:gs pos="100000">
+              <a:schemeClr val="accent1">
+                <a:lumMod val="30000"/>
+                <a:lumOff val="70000"/>
+              </a:schemeClr>
+            </a:gs>
+          </a:gsLst>
+          <a:lin ang="5400000" scaled="1"/>
+        </a:gradFill>
+        <a:effectLst/>
+      </p:bgPr>
+    </p:bg>
     <p:spTree>
       <p:nvGrpSpPr>
         <p:cNvPr id="1" name="Shape 505"/>
@@ -20515,7 +21720,7 @@
         </p:nvSpPr>
         <p:spPr>
           <a:xfrm>
-            <a:off x="720000" y="539999"/>
+            <a:off x="720000" y="332181"/>
             <a:ext cx="7704000" cy="612475"/>
           </a:xfrm>
           <a:prstGeom prst="rect">
@@ -20547,7 +21752,7 @@
                 <a:ea typeface="Open Sans" panose="020B0606030504020204" pitchFamily="34" charset="0"/>
                 <a:cs typeface="Open Sans" panose="020B0606030504020204" pitchFamily="34" charset="0"/>
               </a:rPr>
-              <a:t>How would you use Power Automate to automate the process of tracking and following up on sales leads?</a:t>
+              <a:t>Can you explain how you would handle authentication and access control in a Power Automate workflow when connecting to external services or systems?</a:t>
             </a:r>
             <a:endParaRPr sz="1600" dirty="0">
               <a:solidFill>
@@ -20573,8 +21778,8 @@
         </p:nvSpPr>
         <p:spPr>
           <a:xfrm>
-            <a:off x="720000" y="1471129"/>
-            <a:ext cx="7704000" cy="3357181"/>
+            <a:off x="720000" y="944655"/>
+            <a:ext cx="7704000" cy="4146889"/>
           </a:xfrm>
           <a:prstGeom prst="rect">
             <a:avLst/>
@@ -20591,7 +21796,7 @@
               <a:buChar char="•"/>
             </a:pPr>
             <a:r>
-              <a:rPr lang="en-US" b="0" i="0" dirty="0">
+              <a:rPr lang="en-US" sz="1400" b="0" i="0" dirty="0">
                 <a:solidFill>
                   <a:srgbClr val="374151"/>
                 </a:solidFill>
@@ -20600,7 +21805,7 @@
                 <a:ea typeface="Open Sans" panose="020B0606030504020204" pitchFamily="34" charset="0"/>
                 <a:cs typeface="Open Sans" panose="020B0606030504020204" pitchFamily="34" charset="0"/>
               </a:rPr>
-              <a:t>Set up a trigger to initiate the flow when a new sales lead is added to the CRM system.</a:t>
+              <a:t>Utilize OAuth or API keys to securely authenticate with external services or systems.</a:t>
             </a:r>
           </a:p>
           <a:p>
@@ -20608,7 +21813,7 @@
               <a:buFont typeface="Arial" panose="020B0604020202020204" pitchFamily="34" charset="0"/>
               <a:buChar char="•"/>
             </a:pPr>
-            <a:endParaRPr lang="en-US" b="0" i="0" dirty="0">
+            <a:endParaRPr lang="en-US" sz="1400" b="0" i="0" dirty="0">
               <a:solidFill>
                 <a:srgbClr val="374151"/>
               </a:solidFill>
@@ -20624,7 +21829,7 @@
               <a:buChar char="•"/>
             </a:pPr>
             <a:r>
-              <a:rPr lang="en-US" b="0" i="0" dirty="0">
+              <a:rPr lang="en-US" sz="1400" b="0" i="0" dirty="0">
                 <a:solidFill>
                   <a:srgbClr val="374151"/>
                 </a:solidFill>
@@ -20633,7 +21838,7 @@
                 <a:ea typeface="Open Sans" panose="020B0606030504020204" pitchFamily="34" charset="0"/>
                 <a:cs typeface="Open Sans" panose="020B0606030504020204" pitchFamily="34" charset="0"/>
               </a:rPr>
-              <a:t>Fetch relevant lead data from the CRM or database.</a:t>
+              <a:t>Apply role-based access controls (RBAC) to limit user access and permissions within Power Automate.</a:t>
             </a:r>
           </a:p>
           <a:p>
@@ -20641,7 +21846,7 @@
               <a:buFont typeface="Arial" panose="020B0604020202020204" pitchFamily="34" charset="0"/>
               <a:buChar char="•"/>
             </a:pPr>
-            <a:endParaRPr lang="en-US" b="0" i="0" dirty="0">
+            <a:endParaRPr lang="en-US" sz="1400" b="0" i="0" dirty="0">
               <a:solidFill>
                 <a:srgbClr val="374151"/>
               </a:solidFill>
@@ -20657,7 +21862,7 @@
               <a:buChar char="•"/>
             </a:pPr>
             <a:r>
-              <a:rPr lang="en-US" b="0" i="0" dirty="0">
+              <a:rPr lang="en-US" sz="1400" b="0" i="0" dirty="0">
                 <a:solidFill>
                   <a:srgbClr val="374151"/>
                 </a:solidFill>
@@ -20666,7 +21871,7 @@
                 <a:ea typeface="Open Sans" panose="020B0606030504020204" pitchFamily="34" charset="0"/>
                 <a:cs typeface="Open Sans" panose="020B0606030504020204" pitchFamily="34" charset="0"/>
               </a:rPr>
-              <a:t>Assign tasks to sales representatives for follow-up based on lead attributes, priority, or geographic location.</a:t>
+              <a:t>Avoid embedding sensitive credentials within the workflow and use secure data connections instead.</a:t>
             </a:r>
           </a:p>
           <a:p>
@@ -20674,7 +21879,7 @@
               <a:buFont typeface="Arial" panose="020B0604020202020204" pitchFamily="34" charset="0"/>
               <a:buChar char="•"/>
             </a:pPr>
-            <a:endParaRPr lang="en-US" b="0" i="0" dirty="0">
+            <a:endParaRPr lang="en-US" sz="1400" b="0" i="0" dirty="0">
               <a:solidFill>
                 <a:srgbClr val="374151"/>
               </a:solidFill>
@@ -20690,7 +21895,7 @@
               <a:buChar char="•"/>
             </a:pPr>
             <a:r>
-              <a:rPr lang="en-US" b="0" i="0" dirty="0">
+              <a:rPr lang="en-US" sz="1400" b="0" i="0" dirty="0">
                 <a:solidFill>
                   <a:srgbClr val="374151"/>
                 </a:solidFill>
@@ -20699,7 +21904,7 @@
                 <a:ea typeface="Open Sans" panose="020B0606030504020204" pitchFamily="34" charset="0"/>
                 <a:cs typeface="Open Sans" panose="020B0606030504020204" pitchFamily="34" charset="0"/>
               </a:rPr>
-              <a:t>Automate email notifications to remind sales representatives of upcoming follow-ups.</a:t>
+              <a:t>Implement Azure Active Directory (Azure AD) for centralized user authentication and management.</a:t>
             </a:r>
           </a:p>
           <a:p>
@@ -20707,7 +21912,7 @@
               <a:buFont typeface="Arial" panose="020B0604020202020204" pitchFamily="34" charset="0"/>
               <a:buChar char="•"/>
             </a:pPr>
-            <a:endParaRPr lang="en-US" b="0" i="0" dirty="0">
+            <a:endParaRPr lang="en-US" sz="1400" b="0" i="0" dirty="0">
               <a:solidFill>
                 <a:srgbClr val="374151"/>
               </a:solidFill>
@@ -20723,7 +21928,7 @@
               <a:buChar char="•"/>
             </a:pPr>
             <a:r>
-              <a:rPr lang="en-US" b="0" i="0" dirty="0">
+              <a:rPr lang="en-US" sz="1400" b="0" i="0" dirty="0">
                 <a:solidFill>
                   <a:srgbClr val="374151"/>
                 </a:solidFill>
@@ -20732,7 +21937,7 @@
                 <a:ea typeface="Open Sans" panose="020B0606030504020204" pitchFamily="34" charset="0"/>
                 <a:cs typeface="Open Sans" panose="020B0606030504020204" pitchFamily="34" charset="0"/>
               </a:rPr>
-              <a:t>Monitor lead status changes and trigger alerts for high-priority leads or stalled follow-ups.</a:t>
+              <a:t>Use service accounts or managed identities to access external services, reducing the exposure of user credentials.</a:t>
             </a:r>
           </a:p>
           <a:p>
@@ -20740,7 +21945,7 @@
               <a:buFont typeface="Arial" panose="020B0604020202020204" pitchFamily="34" charset="0"/>
               <a:buChar char="•"/>
             </a:pPr>
-            <a:endParaRPr lang="en-US" b="0" i="0" dirty="0">
+            <a:endParaRPr lang="en-US" sz="1400" b="0" i="0" dirty="0">
               <a:solidFill>
                 <a:srgbClr val="374151"/>
               </a:solidFill>
@@ -20756,7 +21961,7 @@
               <a:buChar char="•"/>
             </a:pPr>
             <a:r>
-              <a:rPr lang="en-US" b="0" i="0" dirty="0">
+              <a:rPr lang="en-US" sz="1400" b="0" i="0" dirty="0">
                 <a:solidFill>
                   <a:srgbClr val="374151"/>
                 </a:solidFill>
@@ -20765,7 +21970,7 @@
                 <a:ea typeface="Open Sans" panose="020B0606030504020204" pitchFamily="34" charset="0"/>
                 <a:cs typeface="Open Sans" panose="020B0606030504020204" pitchFamily="34" charset="0"/>
               </a:rPr>
-              <a:t>Integrate with communication tools like Microsoft Teams to facilitate collaboration and updates among the sales team.</a:t>
+              <a:t>Regularly review and update access policies to ensure compliance with security standards and regulations.</a:t>
             </a:r>
           </a:p>
           <a:p>
@@ -20773,7 +21978,7 @@
               <a:buFont typeface="Arial" panose="020B0604020202020204" pitchFamily="34" charset="0"/>
               <a:buChar char="•"/>
             </a:pPr>
-            <a:endParaRPr lang="en-US" b="0" i="0" dirty="0">
+            <a:endParaRPr lang="en-US" sz="1400" b="0" i="0" dirty="0">
               <a:solidFill>
                 <a:srgbClr val="374151"/>
               </a:solidFill>
@@ -20789,7 +21994,7 @@
               <a:buChar char="•"/>
             </a:pPr>
             <a:r>
-              <a:rPr lang="en-US" b="0" i="0" dirty="0">
+              <a:rPr lang="en-US" sz="1400" b="0" i="0" dirty="0">
                 <a:solidFill>
                   <a:srgbClr val="374151"/>
                 </a:solidFill>
@@ -20798,40 +22003,7 @@
                 <a:ea typeface="Open Sans" panose="020B0606030504020204" pitchFamily="34" charset="0"/>
                 <a:cs typeface="Open Sans" panose="020B0606030504020204" pitchFamily="34" charset="0"/>
               </a:rPr>
-              <a:t>Implement error handling to address any issues during the process.</a:t>
-            </a:r>
-          </a:p>
-          <a:p>
-            <a:pPr algn="l">
-              <a:buFont typeface="Arial" panose="020B0604020202020204" pitchFamily="34" charset="0"/>
-              <a:buChar char="•"/>
-            </a:pPr>
-            <a:endParaRPr lang="en-US" b="0" i="0" dirty="0">
-              <a:solidFill>
-                <a:srgbClr val="374151"/>
-              </a:solidFill>
-              <a:effectLst/>
-              <a:latin typeface="Open Sans" panose="020B0606030504020204" pitchFamily="34" charset="0"/>
-              <a:ea typeface="Open Sans" panose="020B0606030504020204" pitchFamily="34" charset="0"/>
-              <a:cs typeface="Open Sans" panose="020B0606030504020204" pitchFamily="34" charset="0"/>
-            </a:endParaRPr>
-          </a:p>
-          <a:p>
-            <a:pPr algn="l">
-              <a:buFont typeface="Arial" panose="020B0604020202020204" pitchFamily="34" charset="0"/>
-              <a:buChar char="•"/>
-            </a:pPr>
-            <a:r>
-              <a:rPr lang="en-US" b="0" i="0" dirty="0">
-                <a:solidFill>
-                  <a:srgbClr val="374151"/>
-                </a:solidFill>
-                <a:effectLst/>
-                <a:latin typeface="Open Sans" panose="020B0606030504020204" pitchFamily="34" charset="0"/>
-                <a:ea typeface="Open Sans" panose="020B0606030504020204" pitchFamily="34" charset="0"/>
-                <a:cs typeface="Open Sans" panose="020B0606030504020204" pitchFamily="34" charset="0"/>
-              </a:rPr>
-              <a:t>Regularly review and optimize the flow to ensure efficient lead tracking and follow-up.</a:t>
+              <a:t>Monitor and audit access logs to detect and address any suspicious or unauthorized activities.</a:t>
             </a:r>
           </a:p>
         </p:txBody>
@@ -20839,7 +22011,7 @@
     </p:spTree>
     <p:extLst>
       <p:ext uri="{BB962C8B-B14F-4D97-AF65-F5344CB8AC3E}">
-        <p14:creationId xmlns:p14="http://schemas.microsoft.com/office/powerpoint/2010/main" val="2372366477"/>
+        <p14:creationId xmlns:p14="http://schemas.microsoft.com/office/powerpoint/2010/main" val="1268623895"/>
       </p:ext>
     </p:extLst>
   </p:cSld>
@@ -20849,9 +22021,43 @@
 </p:sld>
 </file>
 
-<file path=ppt/slides/slide5.xml><?xml version="1.0" encoding="utf-8"?>
+<file path=ppt/slides/slide7.xml><?xml version="1.0" encoding="utf-8"?>
 <p:sld xmlns:a="http://schemas.openxmlformats.org/drawingml/2006/main" xmlns:r="http://schemas.openxmlformats.org/officeDocument/2006/relationships" xmlns:p="http://schemas.openxmlformats.org/presentationml/2006/main">
   <p:cSld>
+    <p:bg>
+      <p:bgPr>
+        <a:gradFill>
+          <a:gsLst>
+            <a:gs pos="30000">
+              <a:schemeClr val="accent1">
+                <a:lumMod val="5000"/>
+                <a:lumOff val="95000"/>
+              </a:schemeClr>
+            </a:gs>
+            <a:gs pos="74000">
+              <a:schemeClr val="accent1">
+                <a:lumMod val="45000"/>
+                <a:lumOff val="55000"/>
+              </a:schemeClr>
+            </a:gs>
+            <a:gs pos="83000">
+              <a:schemeClr val="accent1">
+                <a:lumMod val="45000"/>
+                <a:lumOff val="55000"/>
+              </a:schemeClr>
+            </a:gs>
+            <a:gs pos="100000">
+              <a:schemeClr val="accent1">
+                <a:lumMod val="30000"/>
+                <a:lumOff val="70000"/>
+              </a:schemeClr>
+            </a:gs>
+          </a:gsLst>
+          <a:lin ang="5400000" scaled="1"/>
+        </a:gradFill>
+        <a:effectLst/>
+      </p:bgPr>
+    </p:bg>
     <p:spTree>
       <p:nvGrpSpPr>
         <p:cNvPr id="1" name="Shape 505"/>
@@ -20878,8 +22084,8 @@
         </p:nvSpPr>
         <p:spPr>
           <a:xfrm>
-            <a:off x="720000" y="539999"/>
-            <a:ext cx="7704000" cy="612475"/>
+            <a:off x="1020967" y="538717"/>
+            <a:ext cx="6937181" cy="1084520"/>
           </a:xfrm>
           <a:prstGeom prst="rect">
             <a:avLst/>
@@ -20901,370 +22107,7 @@
               <a:buNone/>
             </a:pPr>
             <a:r>
-              <a:rPr lang="en-US" sz="1600" b="0" i="0" dirty="0">
-                <a:solidFill>
-                  <a:srgbClr val="FF0000"/>
-                </a:solidFill>
-                <a:effectLst/>
-                <a:latin typeface="Open Sans" panose="020B0606030504020204" pitchFamily="34" charset="0"/>
-                <a:ea typeface="Open Sans" panose="020B0606030504020204" pitchFamily="34" charset="0"/>
-                <a:cs typeface="Open Sans" panose="020B0606030504020204" pitchFamily="34" charset="0"/>
-              </a:rPr>
-              <a:t>How would you use Power Automate to automate the process of gathering customer feedback after a purchase or service experience?</a:t>
-            </a:r>
-            <a:endParaRPr sz="1600" dirty="0">
-              <a:solidFill>
-                <a:srgbClr val="FF0000"/>
-              </a:solidFill>
-              <a:latin typeface="Open Sans" panose="020B0606030504020204" pitchFamily="34" charset="0"/>
-              <a:ea typeface="Open Sans" panose="020B0606030504020204" pitchFamily="34" charset="0"/>
-              <a:cs typeface="Open Sans" panose="020B0606030504020204" pitchFamily="34" charset="0"/>
-              <a:sym typeface="Overpass SemiBold"/>
-            </a:endParaRPr>
-          </a:p>
-        </p:txBody>
-      </p:sp>
-      <p:sp>
-        <p:nvSpPr>
-          <p:cNvPr id="507" name="Google Shape;507;p52"/>
-          <p:cNvSpPr txBox="1">
-            <a:spLocks noGrp="1"/>
-          </p:cNvSpPr>
-          <p:nvPr>
-            <p:ph type="body" idx="1"/>
-          </p:nvPr>
-        </p:nvSpPr>
-        <p:spPr>
-          <a:xfrm>
-            <a:off x="720000" y="1491910"/>
-            <a:ext cx="7704000" cy="3451027"/>
-          </a:xfrm>
-          <a:prstGeom prst="rect">
-            <a:avLst/>
-          </a:prstGeom>
-        </p:spPr>
-        <p:txBody>
-          <a:bodyPr spcFirstLastPara="1" wrap="square" lIns="91425" tIns="91425" rIns="91425" bIns="91425" anchor="t" anchorCtr="0">
-            <a:noAutofit/>
-          </a:bodyPr>
-          <a:lstStyle/>
-          <a:p>
-            <a:pPr algn="l">
-              <a:buFont typeface="Arial" panose="020B0604020202020204" pitchFamily="34" charset="0"/>
-              <a:buChar char="•"/>
-            </a:pPr>
-            <a:r>
-              <a:rPr lang="en-US" b="0" i="0" dirty="0">
-                <a:solidFill>
-                  <a:srgbClr val="374151"/>
-                </a:solidFill>
-                <a:effectLst/>
-                <a:latin typeface="Open Sans" panose="020B0606030504020204" pitchFamily="34" charset="0"/>
-                <a:ea typeface="Open Sans" panose="020B0606030504020204" pitchFamily="34" charset="0"/>
-                <a:cs typeface="Open Sans" panose="020B0606030504020204" pitchFamily="34" charset="0"/>
-              </a:rPr>
-              <a:t>Set up a trigger to initiate the flow after a purchase or service is completed in the system.</a:t>
-            </a:r>
-          </a:p>
-          <a:p>
-            <a:pPr algn="l">
-              <a:buFont typeface="Arial" panose="020B0604020202020204" pitchFamily="34" charset="0"/>
-              <a:buChar char="•"/>
-            </a:pPr>
-            <a:endParaRPr lang="en-US" b="0" i="0" dirty="0">
-              <a:solidFill>
-                <a:srgbClr val="374151"/>
-              </a:solidFill>
-              <a:effectLst/>
-              <a:latin typeface="Open Sans" panose="020B0606030504020204" pitchFamily="34" charset="0"/>
-              <a:ea typeface="Open Sans" panose="020B0606030504020204" pitchFamily="34" charset="0"/>
-              <a:cs typeface="Open Sans" panose="020B0606030504020204" pitchFamily="34" charset="0"/>
-            </a:endParaRPr>
-          </a:p>
-          <a:p>
-            <a:pPr algn="l">
-              <a:buFont typeface="Arial" panose="020B0604020202020204" pitchFamily="34" charset="0"/>
-              <a:buChar char="•"/>
-            </a:pPr>
-            <a:r>
-              <a:rPr lang="en-US" b="0" i="0" dirty="0">
-                <a:solidFill>
-                  <a:srgbClr val="374151"/>
-                </a:solidFill>
-                <a:effectLst/>
-                <a:latin typeface="Open Sans" panose="020B0606030504020204" pitchFamily="34" charset="0"/>
-                <a:ea typeface="Open Sans" panose="020B0606030504020204" pitchFamily="34" charset="0"/>
-                <a:cs typeface="Open Sans" panose="020B0606030504020204" pitchFamily="34" charset="0"/>
-              </a:rPr>
-              <a:t>Automatically send personalized email surveys to customers with questions about their experience.</a:t>
-            </a:r>
-          </a:p>
-          <a:p>
-            <a:pPr algn="l">
-              <a:buFont typeface="Arial" panose="020B0604020202020204" pitchFamily="34" charset="0"/>
-              <a:buChar char="•"/>
-            </a:pPr>
-            <a:endParaRPr lang="en-US" b="0" i="0" dirty="0">
-              <a:solidFill>
-                <a:srgbClr val="374151"/>
-              </a:solidFill>
-              <a:effectLst/>
-              <a:latin typeface="Open Sans" panose="020B0606030504020204" pitchFamily="34" charset="0"/>
-              <a:ea typeface="Open Sans" panose="020B0606030504020204" pitchFamily="34" charset="0"/>
-              <a:cs typeface="Open Sans" panose="020B0606030504020204" pitchFamily="34" charset="0"/>
-            </a:endParaRPr>
-          </a:p>
-          <a:p>
-            <a:pPr algn="l">
-              <a:buFont typeface="Arial" panose="020B0604020202020204" pitchFamily="34" charset="0"/>
-              <a:buChar char="•"/>
-            </a:pPr>
-            <a:r>
-              <a:rPr lang="en-US" b="0" i="0" dirty="0">
-                <a:solidFill>
-                  <a:srgbClr val="374151"/>
-                </a:solidFill>
-                <a:effectLst/>
-                <a:latin typeface="Open Sans" panose="020B0606030504020204" pitchFamily="34" charset="0"/>
-                <a:ea typeface="Open Sans" panose="020B0606030504020204" pitchFamily="34" charset="0"/>
-                <a:cs typeface="Open Sans" panose="020B0606030504020204" pitchFamily="34" charset="0"/>
-              </a:rPr>
-              <a:t>Utilize a dynamic content feature to include order or service details in the survey for context.</a:t>
-            </a:r>
-          </a:p>
-          <a:p>
-            <a:pPr algn="l">
-              <a:buFont typeface="Arial" panose="020B0604020202020204" pitchFamily="34" charset="0"/>
-              <a:buChar char="•"/>
-            </a:pPr>
-            <a:endParaRPr lang="en-US" b="0" i="0" dirty="0">
-              <a:solidFill>
-                <a:srgbClr val="374151"/>
-              </a:solidFill>
-              <a:effectLst/>
-              <a:latin typeface="Open Sans" panose="020B0606030504020204" pitchFamily="34" charset="0"/>
-              <a:ea typeface="Open Sans" panose="020B0606030504020204" pitchFamily="34" charset="0"/>
-              <a:cs typeface="Open Sans" panose="020B0606030504020204" pitchFamily="34" charset="0"/>
-            </a:endParaRPr>
-          </a:p>
-          <a:p>
-            <a:pPr algn="l">
-              <a:buFont typeface="Arial" panose="020B0604020202020204" pitchFamily="34" charset="0"/>
-              <a:buChar char="•"/>
-            </a:pPr>
-            <a:r>
-              <a:rPr lang="en-US" b="0" i="0" dirty="0">
-                <a:solidFill>
-                  <a:srgbClr val="374151"/>
-                </a:solidFill>
-                <a:effectLst/>
-                <a:latin typeface="Open Sans" panose="020B0606030504020204" pitchFamily="34" charset="0"/>
-                <a:ea typeface="Open Sans" panose="020B0606030504020204" pitchFamily="34" charset="0"/>
-                <a:cs typeface="Open Sans" panose="020B0606030504020204" pitchFamily="34" charset="0"/>
-              </a:rPr>
-              <a:t>Set reminders for customers who haven't responded to increase feedback participation.</a:t>
-            </a:r>
-          </a:p>
-          <a:p>
-            <a:pPr algn="l">
-              <a:buFont typeface="Arial" panose="020B0604020202020204" pitchFamily="34" charset="0"/>
-              <a:buChar char="•"/>
-            </a:pPr>
-            <a:endParaRPr lang="en-US" b="0" i="0" dirty="0">
-              <a:solidFill>
-                <a:srgbClr val="374151"/>
-              </a:solidFill>
-              <a:effectLst/>
-              <a:latin typeface="Open Sans" panose="020B0606030504020204" pitchFamily="34" charset="0"/>
-              <a:ea typeface="Open Sans" panose="020B0606030504020204" pitchFamily="34" charset="0"/>
-              <a:cs typeface="Open Sans" panose="020B0606030504020204" pitchFamily="34" charset="0"/>
-            </a:endParaRPr>
-          </a:p>
-          <a:p>
-            <a:pPr algn="l">
-              <a:buFont typeface="Arial" panose="020B0604020202020204" pitchFamily="34" charset="0"/>
-              <a:buChar char="•"/>
-            </a:pPr>
-            <a:r>
-              <a:rPr lang="en-US" b="0" i="0" dirty="0">
-                <a:solidFill>
-                  <a:srgbClr val="374151"/>
-                </a:solidFill>
-                <a:effectLst/>
-                <a:latin typeface="Open Sans" panose="020B0606030504020204" pitchFamily="34" charset="0"/>
-                <a:ea typeface="Open Sans" panose="020B0606030504020204" pitchFamily="34" charset="0"/>
-                <a:cs typeface="Open Sans" panose="020B0606030504020204" pitchFamily="34" charset="0"/>
-              </a:rPr>
-              <a:t>Automate data collection by storing survey responses in a database or spreadsheet.</a:t>
-            </a:r>
-          </a:p>
-          <a:p>
-            <a:pPr algn="l">
-              <a:buFont typeface="Arial" panose="020B0604020202020204" pitchFamily="34" charset="0"/>
-              <a:buChar char="•"/>
-            </a:pPr>
-            <a:endParaRPr lang="en-US" b="0" i="0" dirty="0">
-              <a:solidFill>
-                <a:srgbClr val="374151"/>
-              </a:solidFill>
-              <a:effectLst/>
-              <a:latin typeface="Open Sans" panose="020B0606030504020204" pitchFamily="34" charset="0"/>
-              <a:ea typeface="Open Sans" panose="020B0606030504020204" pitchFamily="34" charset="0"/>
-              <a:cs typeface="Open Sans" panose="020B0606030504020204" pitchFamily="34" charset="0"/>
-            </a:endParaRPr>
-          </a:p>
-          <a:p>
-            <a:pPr algn="l">
-              <a:buFont typeface="Arial" panose="020B0604020202020204" pitchFamily="34" charset="0"/>
-              <a:buChar char="•"/>
-            </a:pPr>
-            <a:r>
-              <a:rPr lang="en-US" b="0" i="0" dirty="0">
-                <a:solidFill>
-                  <a:srgbClr val="374151"/>
-                </a:solidFill>
-                <a:effectLst/>
-                <a:latin typeface="Open Sans" panose="020B0606030504020204" pitchFamily="34" charset="0"/>
-                <a:ea typeface="Open Sans" panose="020B0606030504020204" pitchFamily="34" charset="0"/>
-                <a:cs typeface="Open Sans" panose="020B0606030504020204" pitchFamily="34" charset="0"/>
-              </a:rPr>
-              <a:t>Create automated alerts for negative feedback to address issues promptly.</a:t>
-            </a:r>
-          </a:p>
-          <a:p>
-            <a:pPr algn="l">
-              <a:buFont typeface="Arial" panose="020B0604020202020204" pitchFamily="34" charset="0"/>
-              <a:buChar char="•"/>
-            </a:pPr>
-            <a:endParaRPr lang="en-US" b="0" i="0" dirty="0">
-              <a:solidFill>
-                <a:srgbClr val="374151"/>
-              </a:solidFill>
-              <a:effectLst/>
-              <a:latin typeface="Open Sans" panose="020B0606030504020204" pitchFamily="34" charset="0"/>
-              <a:ea typeface="Open Sans" panose="020B0606030504020204" pitchFamily="34" charset="0"/>
-              <a:cs typeface="Open Sans" panose="020B0606030504020204" pitchFamily="34" charset="0"/>
-            </a:endParaRPr>
-          </a:p>
-          <a:p>
-            <a:pPr algn="l">
-              <a:buFont typeface="Arial" panose="020B0604020202020204" pitchFamily="34" charset="0"/>
-              <a:buChar char="•"/>
-            </a:pPr>
-            <a:r>
-              <a:rPr lang="en-US" b="0" i="0" dirty="0">
-                <a:solidFill>
-                  <a:srgbClr val="374151"/>
-                </a:solidFill>
-                <a:effectLst/>
-                <a:latin typeface="Open Sans" panose="020B0606030504020204" pitchFamily="34" charset="0"/>
-                <a:ea typeface="Open Sans" panose="020B0606030504020204" pitchFamily="34" charset="0"/>
-                <a:cs typeface="Open Sans" panose="020B0606030504020204" pitchFamily="34" charset="0"/>
-              </a:rPr>
-              <a:t>Regularly analyze feedback data to identify trends and areas for improvement.</a:t>
-            </a:r>
-          </a:p>
-          <a:p>
-            <a:pPr algn="l">
-              <a:buFont typeface="Arial" panose="020B0604020202020204" pitchFamily="34" charset="0"/>
-              <a:buChar char="•"/>
-            </a:pPr>
-            <a:endParaRPr lang="en-US" b="0" i="0" dirty="0">
-              <a:solidFill>
-                <a:srgbClr val="374151"/>
-              </a:solidFill>
-              <a:effectLst/>
-              <a:latin typeface="Open Sans" panose="020B0606030504020204" pitchFamily="34" charset="0"/>
-              <a:ea typeface="Open Sans" panose="020B0606030504020204" pitchFamily="34" charset="0"/>
-              <a:cs typeface="Open Sans" panose="020B0606030504020204" pitchFamily="34" charset="0"/>
-            </a:endParaRPr>
-          </a:p>
-          <a:p>
-            <a:pPr algn="l">
-              <a:buFont typeface="Arial" panose="020B0604020202020204" pitchFamily="34" charset="0"/>
-              <a:buChar char="•"/>
-            </a:pPr>
-            <a:r>
-              <a:rPr lang="en-US" b="0" i="0" dirty="0">
-                <a:solidFill>
-                  <a:srgbClr val="374151"/>
-                </a:solidFill>
-                <a:effectLst/>
-                <a:latin typeface="Open Sans" panose="020B0606030504020204" pitchFamily="34" charset="0"/>
-                <a:ea typeface="Open Sans" panose="020B0606030504020204" pitchFamily="34" charset="0"/>
-                <a:cs typeface="Open Sans" panose="020B0606030504020204" pitchFamily="34" charset="0"/>
-              </a:rPr>
-              <a:t>Optimize the flow based on feedback response rates and insights.</a:t>
-            </a:r>
-          </a:p>
-        </p:txBody>
-      </p:sp>
-    </p:spTree>
-    <p:extLst>
-      <p:ext uri="{BB962C8B-B14F-4D97-AF65-F5344CB8AC3E}">
-        <p14:creationId xmlns:p14="http://schemas.microsoft.com/office/powerpoint/2010/main" val="1069090671"/>
-      </p:ext>
-    </p:extLst>
-  </p:cSld>
-  <p:clrMapOvr>
-    <a:masterClrMapping/>
-  </p:clrMapOvr>
-</p:sld>
-</file>
-
-<file path=ppt/slides/slide6.xml><?xml version="1.0" encoding="utf-8"?>
-<p:sld xmlns:a="http://schemas.openxmlformats.org/drawingml/2006/main" xmlns:r="http://schemas.openxmlformats.org/officeDocument/2006/relationships" xmlns:p="http://schemas.openxmlformats.org/presentationml/2006/main">
-  <p:cSld>
-    <p:spTree>
-      <p:nvGrpSpPr>
-        <p:cNvPr id="1" name="Shape 505"/>
-        <p:cNvGrpSpPr/>
-        <p:nvPr/>
-      </p:nvGrpSpPr>
-      <p:grpSpPr>
-        <a:xfrm>
-          <a:off x="0" y="0"/>
-          <a:ext cx="0" cy="0"/>
-          <a:chOff x="0" y="0"/>
-          <a:chExt cx="0" cy="0"/>
-        </a:xfrm>
-      </p:grpSpPr>
-      <p:sp>
-        <p:nvSpPr>
-          <p:cNvPr id="506" name="Google Shape;506;p52"/>
-          <p:cNvSpPr txBox="1">
-            <a:spLocks noGrp="1"/>
-          </p:cNvSpPr>
-          <p:nvPr>
-            <p:ph type="title"/>
-          </p:nvPr>
-        </p:nvSpPr>
-        <p:spPr>
-          <a:xfrm>
-            <a:off x="1992074" y="332182"/>
-            <a:ext cx="6937181" cy="1094838"/>
-          </a:xfrm>
-          <a:prstGeom prst="rect">
-            <a:avLst/>
-          </a:prstGeom>
-        </p:spPr>
-        <p:txBody>
-          <a:bodyPr spcFirstLastPara="1" wrap="square" lIns="91425" tIns="91425" rIns="91425" bIns="91425" anchor="t" anchorCtr="0">
-            <a:noAutofit/>
-          </a:bodyPr>
-          <a:lstStyle/>
-          <a:p>
-            <a:pPr marL="0" lvl="0" indent="0" algn="l" rtl="0">
-              <a:spcBef>
-                <a:spcPts val="0"/>
-              </a:spcBef>
-              <a:spcAft>
-                <a:spcPts val="0"/>
-              </a:spcAft>
-              <a:buNone/>
-            </a:pPr>
-            <a:r>
-              <a:rPr lang="en-US" sz="6600" b="0" i="0" dirty="0">
+              <a:rPr lang="en-US" sz="4800" b="0" i="0" dirty="0">
                 <a:solidFill>
                   <a:schemeClr val="accent1">
                     <a:lumMod val="75000"/>
@@ -21278,11 +22121,9 @@
               <a:t>Thank You </a:t>
             </a:r>
             <a:r>
-              <a:rPr lang="en-US" sz="1400" b="0" i="0" dirty="0">
+              <a:rPr lang="en-US" sz="1400" b="1" i="0" dirty="0">
                 <a:solidFill>
-                  <a:schemeClr val="accent1">
-                    <a:lumMod val="75000"/>
-                  </a:schemeClr>
+                  <a:schemeClr val="bg2"/>
                 </a:solidFill>
                 <a:effectLst/>
                 <a:latin typeface="Open Sans" panose="020B0606030504020204" pitchFamily="34" charset="0"/>
@@ -21292,11 +22133,9 @@
               <a:t>Connect me on LinkedIn</a:t>
             </a:r>
             <a:r>
-              <a:rPr lang="en-US" sz="6600" b="0" i="0" dirty="0">
+              <a:rPr lang="en-US" sz="6600" b="1" i="0" dirty="0">
                 <a:solidFill>
-                  <a:schemeClr val="accent1">
-                    <a:lumMod val="75000"/>
-                  </a:schemeClr>
+                  <a:schemeClr val="bg2"/>
                 </a:solidFill>
                 <a:effectLst/>
                 <a:latin typeface="Open Sans" panose="020B0606030504020204" pitchFamily="34" charset="0"/>
@@ -21305,11 +22144,9 @@
               </a:rPr>
               <a:t>  </a:t>
             </a:r>
-            <a:endParaRPr sz="6600" dirty="0">
+            <a:endParaRPr sz="6600" b="1" dirty="0">
               <a:solidFill>
-                <a:schemeClr val="accent1">
-                  <a:lumMod val="75000"/>
-                </a:schemeClr>
+                <a:schemeClr val="bg2"/>
               </a:solidFill>
               <a:latin typeface="Open Sans" panose="020B0606030504020204" pitchFamily="34" charset="0"/>
               <a:ea typeface="Open Sans" panose="020B0606030504020204" pitchFamily="34" charset="0"/>
@@ -21341,12 +22178,20 @@
         </p:blipFill>
         <p:spPr>
           <a:xfrm>
-            <a:off x="1704592" y="1413954"/>
-            <a:ext cx="5734816" cy="3729546"/>
+            <a:off x="457038" y="1683457"/>
+            <a:ext cx="4830888" cy="3127861"/>
           </a:xfrm>
           <a:prstGeom prst="rect">
             <a:avLst/>
           </a:prstGeom>
+          <a:effectLst>
+            <a:glow rad="812800">
+              <a:schemeClr val="accent1">
+                <a:alpha val="49000"/>
+              </a:schemeClr>
+            </a:glow>
+            <a:reflection stA="0" endPos="65000" dist="50800" dir="5400000" sy="-100000" algn="bl" rotWithShape="0"/>
+          </a:effectLst>
         </p:spPr>
       </p:pic>
     </p:spTree>
